--- a/docs/img/画像作成用.pptx
+++ b/docs/img/画像作成用.pptx
@@ -199,7 +199,7 @@
           <a:p>
             <a:fld id="{685A68BC-8F81-4B0D-92FD-71EB7813FF7D}" type="datetimeFigureOut">
               <a:rPr kumimoji="1" lang="ja-JP" altLang="en-US" smtClean="0"/>
-              <a:t>2025/6/10</a:t>
+              <a:t>2025/9/29</a:t>
             </a:fld>
             <a:endParaRPr kumimoji="1" lang="ja-JP" altLang="en-US"/>
           </a:p>
@@ -729,7 +729,7 @@
           <a:p>
             <a:fld id="{267EFEEF-E18A-4475-85ED-60EC09292CB4}" type="datetimeFigureOut">
               <a:rPr kumimoji="1" lang="ja-JP" altLang="en-US" smtClean="0"/>
-              <a:t>2025/6/10</a:t>
+              <a:t>2025/9/29</a:t>
             </a:fld>
             <a:endParaRPr kumimoji="1" lang="ja-JP" altLang="en-US"/>
           </a:p>
@@ -959,7 +959,7 @@
           <a:p>
             <a:fld id="{267EFEEF-E18A-4475-85ED-60EC09292CB4}" type="datetimeFigureOut">
               <a:rPr kumimoji="1" lang="ja-JP" altLang="en-US" smtClean="0"/>
-              <a:t>2025/6/10</a:t>
+              <a:t>2025/9/29</a:t>
             </a:fld>
             <a:endParaRPr kumimoji="1" lang="ja-JP" altLang="en-US"/>
           </a:p>
@@ -1199,7 +1199,7 @@
           <a:p>
             <a:fld id="{267EFEEF-E18A-4475-85ED-60EC09292CB4}" type="datetimeFigureOut">
               <a:rPr kumimoji="1" lang="ja-JP" altLang="en-US" smtClean="0"/>
-              <a:t>2025/6/10</a:t>
+              <a:t>2025/9/29</a:t>
             </a:fld>
             <a:endParaRPr kumimoji="1" lang="ja-JP" altLang="en-US"/>
           </a:p>
@@ -1429,7 +1429,7 @@
           <a:p>
             <a:fld id="{267EFEEF-E18A-4475-85ED-60EC09292CB4}" type="datetimeFigureOut">
               <a:rPr kumimoji="1" lang="ja-JP" altLang="en-US" smtClean="0"/>
-              <a:t>2025/6/10</a:t>
+              <a:t>2025/9/29</a:t>
             </a:fld>
             <a:endParaRPr kumimoji="1" lang="ja-JP" altLang="en-US"/>
           </a:p>
@@ -1704,7 +1704,7 @@
           <a:p>
             <a:fld id="{267EFEEF-E18A-4475-85ED-60EC09292CB4}" type="datetimeFigureOut">
               <a:rPr kumimoji="1" lang="ja-JP" altLang="en-US" smtClean="0"/>
-              <a:t>2025/6/10</a:t>
+              <a:t>2025/9/29</a:t>
             </a:fld>
             <a:endParaRPr kumimoji="1" lang="ja-JP" altLang="en-US"/>
           </a:p>
@@ -2033,7 +2033,7 @@
           <a:p>
             <a:fld id="{267EFEEF-E18A-4475-85ED-60EC09292CB4}" type="datetimeFigureOut">
               <a:rPr kumimoji="1" lang="ja-JP" altLang="en-US" smtClean="0"/>
-              <a:t>2025/6/10</a:t>
+              <a:t>2025/9/29</a:t>
             </a:fld>
             <a:endParaRPr kumimoji="1" lang="ja-JP" altLang="en-US"/>
           </a:p>
@@ -2509,7 +2509,7 @@
           <a:p>
             <a:fld id="{267EFEEF-E18A-4475-85ED-60EC09292CB4}" type="datetimeFigureOut">
               <a:rPr kumimoji="1" lang="ja-JP" altLang="en-US" smtClean="0"/>
-              <a:t>2025/6/10</a:t>
+              <a:t>2025/9/29</a:t>
             </a:fld>
             <a:endParaRPr kumimoji="1" lang="ja-JP" altLang="en-US"/>
           </a:p>
@@ -2650,7 +2650,7 @@
           <a:p>
             <a:fld id="{267EFEEF-E18A-4475-85ED-60EC09292CB4}" type="datetimeFigureOut">
               <a:rPr kumimoji="1" lang="ja-JP" altLang="en-US" smtClean="0"/>
-              <a:t>2025/6/10</a:t>
+              <a:t>2025/9/29</a:t>
             </a:fld>
             <a:endParaRPr kumimoji="1" lang="ja-JP" altLang="en-US"/>
           </a:p>
@@ -2763,7 +2763,7 @@
           <a:p>
             <a:fld id="{267EFEEF-E18A-4475-85ED-60EC09292CB4}" type="datetimeFigureOut">
               <a:rPr kumimoji="1" lang="ja-JP" altLang="en-US" smtClean="0"/>
-              <a:t>2025/6/10</a:t>
+              <a:t>2025/9/29</a:t>
             </a:fld>
             <a:endParaRPr kumimoji="1" lang="ja-JP" altLang="en-US"/>
           </a:p>
@@ -3106,7 +3106,7 @@
           <a:p>
             <a:fld id="{267EFEEF-E18A-4475-85ED-60EC09292CB4}" type="datetimeFigureOut">
               <a:rPr kumimoji="1" lang="ja-JP" altLang="en-US" smtClean="0"/>
-              <a:t>2025/6/10</a:t>
+              <a:t>2025/9/29</a:t>
             </a:fld>
             <a:endParaRPr kumimoji="1" lang="ja-JP" altLang="en-US"/>
           </a:p>
@@ -3394,7 +3394,7 @@
           <a:p>
             <a:fld id="{267EFEEF-E18A-4475-85ED-60EC09292CB4}" type="datetimeFigureOut">
               <a:rPr kumimoji="1" lang="ja-JP" altLang="en-US" smtClean="0"/>
-              <a:t>2025/6/10</a:t>
+              <a:t>2025/9/29</a:t>
             </a:fld>
             <a:endParaRPr kumimoji="1" lang="ja-JP" altLang="en-US"/>
           </a:p>
@@ -3667,7 +3667,7 @@
           <a:p>
             <a:fld id="{267EFEEF-E18A-4475-85ED-60EC09292CB4}" type="datetimeFigureOut">
               <a:rPr kumimoji="1" lang="ja-JP" altLang="en-US" smtClean="0"/>
-              <a:t>2025/6/10</a:t>
+              <a:t>2025/9/29</a:t>
             </a:fld>
             <a:endParaRPr kumimoji="1" lang="ja-JP" altLang="en-US"/>
           </a:p>
@@ -12341,7 +12341,7 @@
                   <a:srgbClr val="FF0000"/>
                 </a:solidFill>
               </a:rPr>
-              <a:t>7.x</a:t>
+              <a:t>7,8</a:t>
             </a:r>
             <a:endParaRPr kumimoji="1" lang="ja-JP" altLang="en-US" sz="3000" b="1" dirty="0">
               <a:solidFill>

--- a/docs/img/画像作成用.pptx
+++ b/docs/img/画像作成用.pptx
@@ -199,7 +199,7 @@
           <a:p>
             <a:fld id="{685A68BC-8F81-4B0D-92FD-71EB7813FF7D}" type="datetimeFigureOut">
               <a:rPr kumimoji="1" lang="ja-JP" altLang="en-US" smtClean="0"/>
-              <a:t>2025/9/29</a:t>
+              <a:t>2025/11/1</a:t>
             </a:fld>
             <a:endParaRPr kumimoji="1" lang="ja-JP" altLang="en-US"/>
           </a:p>
@@ -729,7 +729,7 @@
           <a:p>
             <a:fld id="{267EFEEF-E18A-4475-85ED-60EC09292CB4}" type="datetimeFigureOut">
               <a:rPr kumimoji="1" lang="ja-JP" altLang="en-US" smtClean="0"/>
-              <a:t>2025/9/29</a:t>
+              <a:t>2025/11/1</a:t>
             </a:fld>
             <a:endParaRPr kumimoji="1" lang="ja-JP" altLang="en-US"/>
           </a:p>
@@ -959,7 +959,7 @@
           <a:p>
             <a:fld id="{267EFEEF-E18A-4475-85ED-60EC09292CB4}" type="datetimeFigureOut">
               <a:rPr kumimoji="1" lang="ja-JP" altLang="en-US" smtClean="0"/>
-              <a:t>2025/9/29</a:t>
+              <a:t>2025/11/1</a:t>
             </a:fld>
             <a:endParaRPr kumimoji="1" lang="ja-JP" altLang="en-US"/>
           </a:p>
@@ -1199,7 +1199,7 @@
           <a:p>
             <a:fld id="{267EFEEF-E18A-4475-85ED-60EC09292CB4}" type="datetimeFigureOut">
               <a:rPr kumimoji="1" lang="ja-JP" altLang="en-US" smtClean="0"/>
-              <a:t>2025/9/29</a:t>
+              <a:t>2025/11/1</a:t>
             </a:fld>
             <a:endParaRPr kumimoji="1" lang="ja-JP" altLang="en-US"/>
           </a:p>
@@ -1429,7 +1429,7 @@
           <a:p>
             <a:fld id="{267EFEEF-E18A-4475-85ED-60EC09292CB4}" type="datetimeFigureOut">
               <a:rPr kumimoji="1" lang="ja-JP" altLang="en-US" smtClean="0"/>
-              <a:t>2025/9/29</a:t>
+              <a:t>2025/11/1</a:t>
             </a:fld>
             <a:endParaRPr kumimoji="1" lang="ja-JP" altLang="en-US"/>
           </a:p>
@@ -1704,7 +1704,7 @@
           <a:p>
             <a:fld id="{267EFEEF-E18A-4475-85ED-60EC09292CB4}" type="datetimeFigureOut">
               <a:rPr kumimoji="1" lang="ja-JP" altLang="en-US" smtClean="0"/>
-              <a:t>2025/9/29</a:t>
+              <a:t>2025/11/1</a:t>
             </a:fld>
             <a:endParaRPr kumimoji="1" lang="ja-JP" altLang="en-US"/>
           </a:p>
@@ -2033,7 +2033,7 @@
           <a:p>
             <a:fld id="{267EFEEF-E18A-4475-85ED-60EC09292CB4}" type="datetimeFigureOut">
               <a:rPr kumimoji="1" lang="ja-JP" altLang="en-US" smtClean="0"/>
-              <a:t>2025/9/29</a:t>
+              <a:t>2025/11/1</a:t>
             </a:fld>
             <a:endParaRPr kumimoji="1" lang="ja-JP" altLang="en-US"/>
           </a:p>
@@ -2509,7 +2509,7 @@
           <a:p>
             <a:fld id="{267EFEEF-E18A-4475-85ED-60EC09292CB4}" type="datetimeFigureOut">
               <a:rPr kumimoji="1" lang="ja-JP" altLang="en-US" smtClean="0"/>
-              <a:t>2025/9/29</a:t>
+              <a:t>2025/11/1</a:t>
             </a:fld>
             <a:endParaRPr kumimoji="1" lang="ja-JP" altLang="en-US"/>
           </a:p>
@@ -2650,7 +2650,7 @@
           <a:p>
             <a:fld id="{267EFEEF-E18A-4475-85ED-60EC09292CB4}" type="datetimeFigureOut">
               <a:rPr kumimoji="1" lang="ja-JP" altLang="en-US" smtClean="0"/>
-              <a:t>2025/9/29</a:t>
+              <a:t>2025/11/1</a:t>
             </a:fld>
             <a:endParaRPr kumimoji="1" lang="ja-JP" altLang="en-US"/>
           </a:p>
@@ -2763,7 +2763,7 @@
           <a:p>
             <a:fld id="{267EFEEF-E18A-4475-85ED-60EC09292CB4}" type="datetimeFigureOut">
               <a:rPr kumimoji="1" lang="ja-JP" altLang="en-US" smtClean="0"/>
-              <a:t>2025/9/29</a:t>
+              <a:t>2025/11/1</a:t>
             </a:fld>
             <a:endParaRPr kumimoji="1" lang="ja-JP" altLang="en-US"/>
           </a:p>
@@ -3106,7 +3106,7 @@
           <a:p>
             <a:fld id="{267EFEEF-E18A-4475-85ED-60EC09292CB4}" type="datetimeFigureOut">
               <a:rPr kumimoji="1" lang="ja-JP" altLang="en-US" smtClean="0"/>
-              <a:t>2025/9/29</a:t>
+              <a:t>2025/11/1</a:t>
             </a:fld>
             <a:endParaRPr kumimoji="1" lang="ja-JP" altLang="en-US"/>
           </a:p>
@@ -3394,7 +3394,7 @@
           <a:p>
             <a:fld id="{267EFEEF-E18A-4475-85ED-60EC09292CB4}" type="datetimeFigureOut">
               <a:rPr kumimoji="1" lang="ja-JP" altLang="en-US" smtClean="0"/>
-              <a:t>2025/9/29</a:t>
+              <a:t>2025/11/1</a:t>
             </a:fld>
             <a:endParaRPr kumimoji="1" lang="ja-JP" altLang="en-US"/>
           </a:p>
@@ -3667,7 +3667,7 @@
           <a:p>
             <a:fld id="{267EFEEF-E18A-4475-85ED-60EC09292CB4}" type="datetimeFigureOut">
               <a:rPr kumimoji="1" lang="ja-JP" altLang="en-US" smtClean="0"/>
-              <a:t>2025/9/29</a:t>
+              <a:t>2025/11/1</a:t>
             </a:fld>
             <a:endParaRPr kumimoji="1" lang="ja-JP" altLang="en-US"/>
           </a:p>
@@ -8877,10 +8877,10 @@
       </p:sp>
       <p:sp>
         <p:nvSpPr>
-          <p:cNvPr id="47" name="四角形: 角を丸くする 46">
-            <a:extLst>
-              <a:ext uri="{FF2B5EF4-FFF2-40B4-BE49-F238E27FC236}">
-                <a16:creationId xmlns:a16="http://schemas.microsoft.com/office/drawing/2014/main" id="{176103DB-1479-466A-8A02-DBBACF78814D}"/>
+          <p:cNvPr id="53" name="四角形: 角を丸くする 52">
+            <a:extLst>
+              <a:ext uri="{FF2B5EF4-FFF2-40B4-BE49-F238E27FC236}">
+                <a16:creationId xmlns:a16="http://schemas.microsoft.com/office/drawing/2014/main" id="{872ED9DD-2324-48EE-9A2C-59A81EBF3587}"/>
               </a:ext>
             </a:extLst>
           </p:cNvPr>
@@ -8889,7 +8889,7 @@
         </p:nvSpPr>
         <p:spPr>
           <a:xfrm>
-            <a:off x="1520513" y="4290378"/>
+            <a:off x="1038821" y="4290378"/>
             <a:ext cx="1392419" cy="843280"/>
           </a:xfrm>
           <a:prstGeom prst="roundRect">
@@ -8951,10 +8951,10 @@
       </p:sp>
       <p:sp>
         <p:nvSpPr>
-          <p:cNvPr id="48" name="四角形: 角を丸くする 47">
-            <a:extLst>
-              <a:ext uri="{FF2B5EF4-FFF2-40B4-BE49-F238E27FC236}">
-                <a16:creationId xmlns:a16="http://schemas.microsoft.com/office/drawing/2014/main" id="{1459B6CE-C338-42A2-A59C-6F0CE19E66CC}"/>
+          <p:cNvPr id="54" name="四角形: 角を丸くする 53">
+            <a:extLst>
+              <a:ext uri="{FF2B5EF4-FFF2-40B4-BE49-F238E27FC236}">
+                <a16:creationId xmlns:a16="http://schemas.microsoft.com/office/drawing/2014/main" id="{7B8AB9A1-453C-4C1E-97CB-E05DA28BA5C1}"/>
               </a:ext>
             </a:extLst>
           </p:cNvPr>
@@ -8963,7 +8963,7 @@
         </p:nvSpPr>
         <p:spPr>
           <a:xfrm>
-            <a:off x="5908731" y="4276425"/>
+            <a:off x="5427039" y="4276425"/>
             <a:ext cx="1392419" cy="843280"/>
           </a:xfrm>
           <a:prstGeom prst="roundRect">
@@ -9017,10 +9017,10 @@
       </p:sp>
       <p:sp>
         <p:nvSpPr>
-          <p:cNvPr id="49" name="四角形: 角を丸くする 48">
-            <a:extLst>
-              <a:ext uri="{FF2B5EF4-FFF2-40B4-BE49-F238E27FC236}">
-                <a16:creationId xmlns:a16="http://schemas.microsoft.com/office/drawing/2014/main" id="{F004C762-B006-4DAE-A29F-9509C61DC04D}"/>
+          <p:cNvPr id="55" name="四角形: 角を丸くする 54">
+            <a:extLst>
+              <a:ext uri="{FF2B5EF4-FFF2-40B4-BE49-F238E27FC236}">
+                <a16:creationId xmlns:a16="http://schemas.microsoft.com/office/drawing/2014/main" id="{5AADC6AC-3481-402C-93C4-6CDCFC1EBAA2}"/>
               </a:ext>
             </a:extLst>
           </p:cNvPr>
@@ -9029,8 +9029,8 @@
         </p:nvSpPr>
         <p:spPr>
           <a:xfrm>
-            <a:off x="7455875" y="4288013"/>
-            <a:ext cx="1540219" cy="389731"/>
+            <a:off x="6974184" y="4288013"/>
+            <a:ext cx="952988" cy="389731"/>
           </a:xfrm>
           <a:prstGeom prst="roundRect">
             <a:avLst/>
@@ -9070,7 +9070,7 @@
                   <a:schemeClr val="tx1"/>
                 </a:solidFill>
               </a:rPr>
-              <a:t>2,3,4,5</a:t>
+              <a:t>3,4,5</a:t>
             </a:r>
             <a:endParaRPr kumimoji="1" lang="ja-JP" altLang="en-US" dirty="0">
               <a:solidFill>
@@ -9082,10 +9082,10 @@
       </p:sp>
       <p:sp>
         <p:nvSpPr>
-          <p:cNvPr id="50" name="四角形: 角を丸くする 49">
-            <a:extLst>
-              <a:ext uri="{FF2B5EF4-FFF2-40B4-BE49-F238E27FC236}">
-                <a16:creationId xmlns:a16="http://schemas.microsoft.com/office/drawing/2014/main" id="{B2E0D599-E861-40A3-9553-B83C12182F24}"/>
+          <p:cNvPr id="56" name="四角形: 角を丸くする 55">
+            <a:extLst>
+              <a:ext uri="{FF2B5EF4-FFF2-40B4-BE49-F238E27FC236}">
+                <a16:creationId xmlns:a16="http://schemas.microsoft.com/office/drawing/2014/main" id="{EC387402-ADBB-4B12-B301-175ACCBB0ECD}"/>
               </a:ext>
             </a:extLst>
           </p:cNvPr>
@@ -9094,8 +9094,8 @@
         </p:nvSpPr>
         <p:spPr>
           <a:xfrm>
-            <a:off x="7455874" y="4741562"/>
-            <a:ext cx="1540220" cy="389731"/>
+            <a:off x="6974182" y="4741562"/>
+            <a:ext cx="952989" cy="389731"/>
           </a:xfrm>
           <a:prstGeom prst="roundRect">
             <a:avLst/>
@@ -9147,10 +9147,10 @@
       </p:sp>
       <p:sp>
         <p:nvSpPr>
-          <p:cNvPr id="51" name="四角形: 角を丸くする 50">
-            <a:extLst>
-              <a:ext uri="{FF2B5EF4-FFF2-40B4-BE49-F238E27FC236}">
-                <a16:creationId xmlns:a16="http://schemas.microsoft.com/office/drawing/2014/main" id="{0AC07D0D-F139-45CC-97B7-0942C170D520}"/>
+          <p:cNvPr id="57" name="四角形: 角を丸くする 56">
+            <a:extLst>
+              <a:ext uri="{FF2B5EF4-FFF2-40B4-BE49-F238E27FC236}">
+                <a16:creationId xmlns:a16="http://schemas.microsoft.com/office/drawing/2014/main" id="{BD6A3486-B0EA-4325-A9DA-D8767FA5271F}"/>
               </a:ext>
             </a:extLst>
           </p:cNvPr>
@@ -9159,7 +9159,7 @@
         </p:nvSpPr>
         <p:spPr>
           <a:xfrm>
-            <a:off x="3025871" y="4288012"/>
+            <a:off x="2544179" y="4288012"/>
             <a:ext cx="2728091" cy="389731"/>
           </a:xfrm>
           <a:prstGeom prst="roundRect">
@@ -9212,10 +9212,10 @@
       </p:sp>
       <p:sp>
         <p:nvSpPr>
-          <p:cNvPr id="52" name="四角形: 角を丸くする 51">
-            <a:extLst>
-              <a:ext uri="{FF2B5EF4-FFF2-40B4-BE49-F238E27FC236}">
-                <a16:creationId xmlns:a16="http://schemas.microsoft.com/office/drawing/2014/main" id="{42546C8A-65BE-4F1E-B79E-05A1CFAC4502}"/>
+          <p:cNvPr id="58" name="四角形: 角を丸くする 57">
+            <a:extLst>
+              <a:ext uri="{FF2B5EF4-FFF2-40B4-BE49-F238E27FC236}">
+                <a16:creationId xmlns:a16="http://schemas.microsoft.com/office/drawing/2014/main" id="{13852E8D-7F3A-436A-A0B4-C7A3ED2214D6}"/>
               </a:ext>
             </a:extLst>
           </p:cNvPr>
@@ -9224,7 +9224,7 @@
         </p:nvSpPr>
         <p:spPr>
           <a:xfrm>
-            <a:off x="3025871" y="4746826"/>
+            <a:off x="2544179" y="4746826"/>
             <a:ext cx="2728091" cy="389731"/>
           </a:xfrm>
           <a:prstGeom prst="roundRect">
@@ -9282,6 +9282,72 @@
                 </a:solidFill>
               </a:rPr>
               <a:t>,…</a:t>
+            </a:r>
+            <a:endParaRPr kumimoji="1" lang="ja-JP" altLang="en-US" dirty="0">
+              <a:solidFill>
+                <a:schemeClr val="tx1"/>
+              </a:solidFill>
+            </a:endParaRPr>
+          </a:p>
+        </p:txBody>
+      </p:sp>
+      <p:sp>
+        <p:nvSpPr>
+          <p:cNvPr id="59" name="四角形: 角を丸くする 58">
+            <a:extLst>
+              <a:ext uri="{FF2B5EF4-FFF2-40B4-BE49-F238E27FC236}">
+                <a16:creationId xmlns:a16="http://schemas.microsoft.com/office/drawing/2014/main" id="{2E977BAA-FEFF-4D1B-995D-DE0918574858}"/>
+              </a:ext>
+            </a:extLst>
+          </p:cNvPr>
+          <p:cNvSpPr/>
+          <p:nvPr/>
+        </p:nvSpPr>
+        <p:spPr>
+          <a:xfrm>
+            <a:off x="8071153" y="4276425"/>
+            <a:ext cx="963732" cy="843280"/>
+          </a:xfrm>
+          <a:prstGeom prst="roundRect">
+            <a:avLst/>
+          </a:prstGeom>
+          <a:solidFill>
+            <a:schemeClr val="bg1">
+              <a:lumMod val="95000"/>
+            </a:schemeClr>
+          </a:solidFill>
+          <a:ln>
+            <a:noFill/>
+          </a:ln>
+        </p:spPr>
+        <p:style>
+          <a:lnRef idx="2">
+            <a:schemeClr val="accent1">
+              <a:shade val="50000"/>
+            </a:schemeClr>
+          </a:lnRef>
+          <a:fillRef idx="1">
+            <a:schemeClr val="accent1"/>
+          </a:fillRef>
+          <a:effectRef idx="0">
+            <a:schemeClr val="accent1"/>
+          </a:effectRef>
+          <a:fontRef idx="minor">
+            <a:schemeClr val="lt1"/>
+          </a:fontRef>
+        </p:style>
+        <p:txBody>
+          <a:bodyPr rtlCol="0" anchor="ctr"/>
+          <a:lstStyle/>
+          <a:p>
+            <a:pPr algn="ctr"/>
+            <a:r>
+              <a:rPr kumimoji="1" lang="en-US" altLang="ja-JP">
+                <a:solidFill>
+                  <a:schemeClr val="tx1"/>
+                </a:solidFill>
+              </a:rPr>
+              <a:t>Vue3</a:t>
             </a:r>
             <a:endParaRPr kumimoji="1" lang="ja-JP" altLang="en-US" dirty="0">
               <a:solidFill>
@@ -10196,10 +10262,10 @@
       </p:sp>
       <p:sp>
         <p:nvSpPr>
-          <p:cNvPr id="22" name="四角形: 角を丸くする 21">
-            <a:extLst>
-              <a:ext uri="{FF2B5EF4-FFF2-40B4-BE49-F238E27FC236}">
-                <a16:creationId xmlns:a16="http://schemas.microsoft.com/office/drawing/2014/main" id="{7F6F5722-0D59-419C-BD14-4D6EDFFBDB52}"/>
+          <p:cNvPr id="23" name="四角形: 角を丸くする 22">
+            <a:extLst>
+              <a:ext uri="{FF2B5EF4-FFF2-40B4-BE49-F238E27FC236}">
+                <a16:creationId xmlns:a16="http://schemas.microsoft.com/office/drawing/2014/main" id="{04112838-3115-4EBC-A0A3-7E4DF8075FC6}"/>
               </a:ext>
             </a:extLst>
           </p:cNvPr>
@@ -10208,8 +10274,8 @@
         </p:nvSpPr>
         <p:spPr>
           <a:xfrm>
-            <a:off x="1298129" y="659755"/>
-            <a:ext cx="1101566" cy="843280"/>
+            <a:off x="2855904" y="2496256"/>
+            <a:ext cx="1077845" cy="260190"/>
           </a:xfrm>
           <a:prstGeom prst="roundRect">
             <a:avLst/>
@@ -10250,18 +10316,7 @@
                   <a:schemeClr val="tx1"/>
                 </a:solidFill>
               </a:rPr>
-              <a:t>Binary</a:t>
-            </a:r>
-          </a:p>
-          <a:p>
-            <a:pPr algn="ctr"/>
-            <a:r>
-              <a:rPr lang="en-US" altLang="ja-JP" dirty="0">
-                <a:solidFill>
-                  <a:schemeClr val="tx1"/>
-                </a:solidFill>
-              </a:rPr>
-              <a:t>Reader</a:t>
+              <a:t>request</a:t>
             </a:r>
             <a:endParaRPr kumimoji="1" lang="ja-JP" altLang="en-US" dirty="0">
               <a:solidFill>
@@ -10273,10 +10328,10 @@
       </p:sp>
       <p:sp>
         <p:nvSpPr>
-          <p:cNvPr id="23" name="四角形: 角を丸くする 22">
-            <a:extLst>
-              <a:ext uri="{FF2B5EF4-FFF2-40B4-BE49-F238E27FC236}">
-                <a16:creationId xmlns:a16="http://schemas.microsoft.com/office/drawing/2014/main" id="{04112838-3115-4EBC-A0A3-7E4DF8075FC6}"/>
+          <p:cNvPr id="24" name="四角形: 角を丸くする 23">
+            <a:extLst>
+              <a:ext uri="{FF2B5EF4-FFF2-40B4-BE49-F238E27FC236}">
+                <a16:creationId xmlns:a16="http://schemas.microsoft.com/office/drawing/2014/main" id="{8A221BC5-9671-447B-8DA1-4C44BCBF8D6E}"/>
               </a:ext>
             </a:extLst>
           </p:cNvPr>
@@ -10285,8 +10340,8 @@
         </p:nvSpPr>
         <p:spPr>
           <a:xfrm>
-            <a:off x="2855904" y="2496256"/>
-            <a:ext cx="1077845" cy="260190"/>
+            <a:off x="2855904" y="2205891"/>
+            <a:ext cx="1077845" cy="255233"/>
           </a:xfrm>
           <a:prstGeom prst="roundRect">
             <a:avLst/>
@@ -10327,7 +10382,7 @@
                   <a:schemeClr val="tx1"/>
                 </a:solidFill>
               </a:rPr>
-              <a:t>request</a:t>
+              <a:t>cookie</a:t>
             </a:r>
             <a:endParaRPr kumimoji="1" lang="ja-JP" altLang="en-US" dirty="0">
               <a:solidFill>
@@ -10339,10 +10394,10 @@
       </p:sp>
       <p:sp>
         <p:nvSpPr>
-          <p:cNvPr id="24" name="四角形: 角を丸くする 23">
-            <a:extLst>
-              <a:ext uri="{FF2B5EF4-FFF2-40B4-BE49-F238E27FC236}">
-                <a16:creationId xmlns:a16="http://schemas.microsoft.com/office/drawing/2014/main" id="{8A221BC5-9671-447B-8DA1-4C44BCBF8D6E}"/>
+          <p:cNvPr id="25" name="四角形: 角を丸くする 24">
+            <a:extLst>
+              <a:ext uri="{FF2B5EF4-FFF2-40B4-BE49-F238E27FC236}">
+                <a16:creationId xmlns:a16="http://schemas.microsoft.com/office/drawing/2014/main" id="{8E17C681-4260-4A69-8285-F1AF89DBC441}"/>
               </a:ext>
             </a:extLst>
           </p:cNvPr>
@@ -10351,8 +10406,8 @@
         </p:nvSpPr>
         <p:spPr>
           <a:xfrm>
-            <a:off x="2855904" y="2205891"/>
-            <a:ext cx="1077845" cy="255233"/>
+            <a:off x="2855904" y="1932000"/>
+            <a:ext cx="1077845" cy="237706"/>
           </a:xfrm>
           <a:prstGeom prst="roundRect">
             <a:avLst/>
@@ -10393,7 +10448,7 @@
                   <a:schemeClr val="tx1"/>
                 </a:solidFill>
               </a:rPr>
-              <a:t>cookie</a:t>
+              <a:t>session</a:t>
             </a:r>
             <a:endParaRPr kumimoji="1" lang="ja-JP" altLang="en-US" dirty="0">
               <a:solidFill>
@@ -10405,10 +10460,10 @@
       </p:sp>
       <p:sp>
         <p:nvSpPr>
-          <p:cNvPr id="25" name="四角形: 角を丸くする 24">
-            <a:extLst>
-              <a:ext uri="{FF2B5EF4-FFF2-40B4-BE49-F238E27FC236}">
-                <a16:creationId xmlns:a16="http://schemas.microsoft.com/office/drawing/2014/main" id="{8E17C681-4260-4A69-8285-F1AF89DBC441}"/>
+          <p:cNvPr id="26" name="四角形: 角を丸くする 25">
+            <a:extLst>
+              <a:ext uri="{FF2B5EF4-FFF2-40B4-BE49-F238E27FC236}">
+                <a16:creationId xmlns:a16="http://schemas.microsoft.com/office/drawing/2014/main" id="{448D78C2-69BF-4DCC-BE01-0403B10E6ECD}"/>
               </a:ext>
             </a:extLst>
           </p:cNvPr>
@@ -10417,8 +10472,8 @@
         </p:nvSpPr>
         <p:spPr>
           <a:xfrm>
-            <a:off x="2855904" y="1932000"/>
-            <a:ext cx="1077845" cy="237706"/>
+            <a:off x="4042573" y="1932000"/>
+            <a:ext cx="1085262" cy="389731"/>
           </a:xfrm>
           <a:prstGeom prst="roundRect">
             <a:avLst/>
@@ -10454,12 +10509,12 @@
           <a:p>
             <a:pPr algn="ctr"/>
             <a:r>
-              <a:rPr lang="en-US" altLang="ja-JP" dirty="0">
+              <a:rPr kumimoji="1" lang="en-US" altLang="ja-JP" dirty="0">
                 <a:solidFill>
                   <a:schemeClr val="tx1"/>
                 </a:solidFill>
               </a:rPr>
-              <a:t>session</a:t>
+              <a:t>file</a:t>
             </a:r>
             <a:endParaRPr kumimoji="1" lang="ja-JP" altLang="en-US" dirty="0">
               <a:solidFill>
@@ -10471,10 +10526,10 @@
       </p:sp>
       <p:sp>
         <p:nvSpPr>
-          <p:cNvPr id="26" name="四角形: 角を丸くする 25">
-            <a:extLst>
-              <a:ext uri="{FF2B5EF4-FFF2-40B4-BE49-F238E27FC236}">
-                <a16:creationId xmlns:a16="http://schemas.microsoft.com/office/drawing/2014/main" id="{448D78C2-69BF-4DCC-BE01-0403B10E6ECD}"/>
+          <p:cNvPr id="27" name="四角形: 角を丸くする 26">
+            <a:extLst>
+              <a:ext uri="{FF2B5EF4-FFF2-40B4-BE49-F238E27FC236}">
+                <a16:creationId xmlns:a16="http://schemas.microsoft.com/office/drawing/2014/main" id="{7C4ECF24-9569-4CCF-B8F0-3BD38E0C3168}"/>
               </a:ext>
             </a:extLst>
           </p:cNvPr>
@@ -10483,8 +10538,8 @@
         </p:nvSpPr>
         <p:spPr>
           <a:xfrm>
-            <a:off x="4042573" y="1932000"/>
-            <a:ext cx="1085262" cy="389731"/>
+            <a:off x="4042571" y="2385549"/>
+            <a:ext cx="1085263" cy="389731"/>
           </a:xfrm>
           <a:prstGeom prst="roundRect">
             <a:avLst/>
@@ -10520,12 +10575,12 @@
           <a:p>
             <a:pPr algn="ctr"/>
             <a:r>
-              <a:rPr kumimoji="1" lang="en-US" altLang="ja-JP" dirty="0">
+              <a:rPr kumimoji="1" lang="en-US" altLang="ja-JP" dirty="0" err="1">
                 <a:solidFill>
                   <a:schemeClr val="tx1"/>
                 </a:solidFill>
               </a:rPr>
-              <a:t>file</a:t>
+              <a:t>absfile</a:t>
             </a:r>
             <a:endParaRPr kumimoji="1" lang="ja-JP" altLang="en-US" dirty="0">
               <a:solidFill>
@@ -10537,10 +10592,10 @@
       </p:sp>
       <p:sp>
         <p:nvSpPr>
-          <p:cNvPr id="27" name="四角形: 角を丸くする 26">
-            <a:extLst>
-              <a:ext uri="{FF2B5EF4-FFF2-40B4-BE49-F238E27FC236}">
-                <a16:creationId xmlns:a16="http://schemas.microsoft.com/office/drawing/2014/main" id="{7C4ECF24-9569-4CCF-B8F0-3BD38E0C3168}"/>
+          <p:cNvPr id="29" name="四角形: 角を丸くする 28">
+            <a:extLst>
+              <a:ext uri="{FF2B5EF4-FFF2-40B4-BE49-F238E27FC236}">
+                <a16:creationId xmlns:a16="http://schemas.microsoft.com/office/drawing/2014/main" id="{56BD0C97-A6C6-4FE4-9B6B-559D4A8CCEBA}"/>
               </a:ext>
             </a:extLst>
           </p:cNvPr>
@@ -10549,8 +10604,8 @@
         </p:nvSpPr>
         <p:spPr>
           <a:xfrm>
-            <a:off x="4042571" y="2385549"/>
-            <a:ext cx="1085263" cy="389731"/>
+            <a:off x="5232537" y="1912273"/>
+            <a:ext cx="1120809" cy="843280"/>
           </a:xfrm>
           <a:prstGeom prst="roundRect">
             <a:avLst/>
@@ -10586,573 +10641,12 @@
           <a:p>
             <a:pPr algn="ctr"/>
             <a:r>
-              <a:rPr kumimoji="1" lang="en-US" altLang="ja-JP" dirty="0" err="1">
-                <a:solidFill>
-                  <a:schemeClr val="tx1"/>
-                </a:solidFill>
-              </a:rPr>
-              <a:t>absfile</a:t>
-            </a:r>
-            <a:endParaRPr kumimoji="1" lang="ja-JP" altLang="en-US" dirty="0">
-              <a:solidFill>
-                <a:schemeClr val="tx1"/>
-              </a:solidFill>
-            </a:endParaRPr>
-          </a:p>
-        </p:txBody>
-      </p:sp>
-      <p:sp>
-        <p:nvSpPr>
-          <p:cNvPr id="29" name="四角形: 角を丸くする 28">
-            <a:extLst>
-              <a:ext uri="{FF2B5EF4-FFF2-40B4-BE49-F238E27FC236}">
-                <a16:creationId xmlns:a16="http://schemas.microsoft.com/office/drawing/2014/main" id="{56BD0C97-A6C6-4FE4-9B6B-559D4A8CCEBA}"/>
-              </a:ext>
-            </a:extLst>
-          </p:cNvPr>
-          <p:cNvSpPr/>
-          <p:nvPr/>
-        </p:nvSpPr>
-        <p:spPr>
-          <a:xfrm>
-            <a:off x="5232537" y="1912273"/>
-            <a:ext cx="1120809" cy="843280"/>
-          </a:xfrm>
-          <a:prstGeom prst="roundRect">
-            <a:avLst/>
-          </a:prstGeom>
-          <a:solidFill>
-            <a:schemeClr val="bg1">
-              <a:lumMod val="95000"/>
-            </a:schemeClr>
-          </a:solidFill>
-          <a:ln>
-            <a:noFill/>
-          </a:ln>
-        </p:spPr>
-        <p:style>
-          <a:lnRef idx="2">
-            <a:schemeClr val="accent1">
-              <a:shade val="50000"/>
-            </a:schemeClr>
-          </a:lnRef>
-          <a:fillRef idx="1">
-            <a:schemeClr val="accent1"/>
-          </a:fillRef>
-          <a:effectRef idx="0">
-            <a:schemeClr val="accent1"/>
-          </a:effectRef>
-          <a:fontRef idx="minor">
-            <a:schemeClr val="lt1"/>
-          </a:fontRef>
-        </p:style>
-        <p:txBody>
-          <a:bodyPr rtlCol="0" anchor="ctr"/>
-          <a:lstStyle/>
-          <a:p>
-            <a:pPr algn="ctr"/>
-            <a:r>
               <a:rPr lang="en-US" altLang="ja-JP" dirty="0">
                 <a:solidFill>
                   <a:schemeClr val="tx1"/>
                 </a:solidFill>
               </a:rPr>
               <a:t>event</a:t>
-            </a:r>
-            <a:endParaRPr kumimoji="1" lang="ja-JP" altLang="en-US" dirty="0">
-              <a:solidFill>
-                <a:schemeClr val="tx1"/>
-              </a:solidFill>
-            </a:endParaRPr>
-          </a:p>
-        </p:txBody>
-      </p:sp>
-      <p:sp>
-        <p:nvSpPr>
-          <p:cNvPr id="30" name="四角形: 角を丸くする 29">
-            <a:extLst>
-              <a:ext uri="{FF2B5EF4-FFF2-40B4-BE49-F238E27FC236}">
-                <a16:creationId xmlns:a16="http://schemas.microsoft.com/office/drawing/2014/main" id="{FF9B2BB9-4AB3-4012-9717-37F604FFE6F2}"/>
-              </a:ext>
-            </a:extLst>
-          </p:cNvPr>
-          <p:cNvSpPr/>
-          <p:nvPr/>
-        </p:nvSpPr>
-        <p:spPr>
-          <a:xfrm>
-            <a:off x="2539718" y="659755"/>
-            <a:ext cx="1101566" cy="843280"/>
-          </a:xfrm>
-          <a:prstGeom prst="roundRect">
-            <a:avLst/>
-          </a:prstGeom>
-          <a:solidFill>
-            <a:schemeClr val="bg1">
-              <a:lumMod val="95000"/>
-            </a:schemeClr>
-          </a:solidFill>
-          <a:ln>
-            <a:noFill/>
-          </a:ln>
-        </p:spPr>
-        <p:style>
-          <a:lnRef idx="2">
-            <a:schemeClr val="accent1">
-              <a:shade val="50000"/>
-            </a:schemeClr>
-          </a:lnRef>
-          <a:fillRef idx="1">
-            <a:schemeClr val="accent1"/>
-          </a:fillRef>
-          <a:effectRef idx="0">
-            <a:schemeClr val="accent1"/>
-          </a:effectRef>
-          <a:fontRef idx="minor">
-            <a:schemeClr val="lt1"/>
-          </a:fontRef>
-        </p:style>
-        <p:txBody>
-          <a:bodyPr rtlCol="0" anchor="ctr"/>
-          <a:lstStyle/>
-          <a:p>
-            <a:pPr algn="ctr"/>
-            <a:r>
-              <a:rPr lang="en-US" altLang="ja-JP" dirty="0">
-                <a:solidFill>
-                  <a:schemeClr val="tx1"/>
-                </a:solidFill>
-              </a:rPr>
-              <a:t>Text</a:t>
-            </a:r>
-          </a:p>
-          <a:p>
-            <a:pPr algn="ctr"/>
-            <a:r>
-              <a:rPr lang="en-US" altLang="ja-JP" dirty="0">
-                <a:solidFill>
-                  <a:schemeClr val="tx1"/>
-                </a:solidFill>
-              </a:rPr>
-              <a:t>Reader</a:t>
-            </a:r>
-            <a:endParaRPr kumimoji="1" lang="ja-JP" altLang="en-US" dirty="0">
-              <a:solidFill>
-                <a:schemeClr val="tx1"/>
-              </a:solidFill>
-            </a:endParaRPr>
-          </a:p>
-        </p:txBody>
-      </p:sp>
-      <p:sp>
-        <p:nvSpPr>
-          <p:cNvPr id="31" name="四角形: 角を丸くする 30">
-            <a:extLst>
-              <a:ext uri="{FF2B5EF4-FFF2-40B4-BE49-F238E27FC236}">
-                <a16:creationId xmlns:a16="http://schemas.microsoft.com/office/drawing/2014/main" id="{30DD094C-605F-418D-8FEF-BE2C20BB3C53}"/>
-              </a:ext>
-            </a:extLst>
-          </p:cNvPr>
-          <p:cNvSpPr/>
-          <p:nvPr/>
-        </p:nvSpPr>
-        <p:spPr>
-          <a:xfrm>
-            <a:off x="3753579" y="682615"/>
-            <a:ext cx="1101566" cy="843280"/>
-          </a:xfrm>
-          <a:prstGeom prst="roundRect">
-            <a:avLst/>
-          </a:prstGeom>
-          <a:solidFill>
-            <a:schemeClr val="bg1">
-              <a:lumMod val="95000"/>
-            </a:schemeClr>
-          </a:solidFill>
-          <a:ln>
-            <a:noFill/>
-          </a:ln>
-        </p:spPr>
-        <p:style>
-          <a:lnRef idx="2">
-            <a:schemeClr val="accent1">
-              <a:shade val="50000"/>
-            </a:schemeClr>
-          </a:lnRef>
-          <a:fillRef idx="1">
-            <a:schemeClr val="accent1"/>
-          </a:fillRef>
-          <a:effectRef idx="0">
-            <a:schemeClr val="accent1"/>
-          </a:effectRef>
-          <a:fontRef idx="minor">
-            <a:schemeClr val="lt1"/>
-          </a:fontRef>
-        </p:style>
-        <p:txBody>
-          <a:bodyPr rtlCol="0" anchor="ctr"/>
-          <a:lstStyle/>
-          <a:p>
-            <a:pPr algn="ctr"/>
-            <a:r>
-              <a:rPr lang="en-US" altLang="ja-JP" dirty="0">
-                <a:solidFill>
-                  <a:schemeClr val="tx1"/>
-                </a:solidFill>
-              </a:rPr>
-              <a:t>CSV</a:t>
-            </a:r>
-          </a:p>
-          <a:p>
-            <a:pPr algn="ctr"/>
-            <a:r>
-              <a:rPr lang="en-US" altLang="ja-JP" dirty="0">
-                <a:solidFill>
-                  <a:schemeClr val="tx1"/>
-                </a:solidFill>
-              </a:rPr>
-              <a:t>Reader</a:t>
-            </a:r>
-            <a:endParaRPr kumimoji="1" lang="ja-JP" altLang="en-US" dirty="0">
-              <a:solidFill>
-                <a:schemeClr val="tx1"/>
-              </a:solidFill>
-            </a:endParaRPr>
-          </a:p>
-        </p:txBody>
-      </p:sp>
-      <p:sp>
-        <p:nvSpPr>
-          <p:cNvPr id="32" name="四角形: 角を丸くする 31">
-            <a:extLst>
-              <a:ext uri="{FF2B5EF4-FFF2-40B4-BE49-F238E27FC236}">
-                <a16:creationId xmlns:a16="http://schemas.microsoft.com/office/drawing/2014/main" id="{FB425F64-2324-4728-9E0F-1DE3DBE2FC45}"/>
-              </a:ext>
-            </a:extLst>
-          </p:cNvPr>
-          <p:cNvSpPr/>
-          <p:nvPr/>
-        </p:nvSpPr>
-        <p:spPr>
-          <a:xfrm>
-            <a:off x="4975501" y="682160"/>
-            <a:ext cx="1026466" cy="843280"/>
-          </a:xfrm>
-          <a:prstGeom prst="roundRect">
-            <a:avLst/>
-          </a:prstGeom>
-          <a:solidFill>
-            <a:schemeClr val="bg1">
-              <a:lumMod val="95000"/>
-            </a:schemeClr>
-          </a:solidFill>
-          <a:ln>
-            <a:noFill/>
-          </a:ln>
-        </p:spPr>
-        <p:style>
-          <a:lnRef idx="2">
-            <a:schemeClr val="accent1">
-              <a:shade val="50000"/>
-            </a:schemeClr>
-          </a:lnRef>
-          <a:fillRef idx="1">
-            <a:schemeClr val="accent1"/>
-          </a:fillRef>
-          <a:effectRef idx="0">
-            <a:schemeClr val="accent1"/>
-          </a:effectRef>
-          <a:fontRef idx="minor">
-            <a:schemeClr val="lt1"/>
-          </a:fontRef>
-        </p:style>
-        <p:txBody>
-          <a:bodyPr rtlCol="0" anchor="ctr"/>
-          <a:lstStyle/>
-          <a:p>
-            <a:pPr algn="ctr"/>
-            <a:r>
-              <a:rPr lang="en-US" altLang="ja-JP" dirty="0">
-                <a:solidFill>
-                  <a:schemeClr val="tx1"/>
-                </a:solidFill>
-              </a:rPr>
-              <a:t>CSV</a:t>
-            </a:r>
-          </a:p>
-          <a:p>
-            <a:pPr algn="ctr"/>
-            <a:r>
-              <a:rPr lang="en-US" altLang="ja-JP" dirty="0">
-                <a:solidFill>
-                  <a:schemeClr val="tx1"/>
-                </a:solidFill>
-              </a:rPr>
-              <a:t>Writer</a:t>
-            </a:r>
-            <a:endParaRPr kumimoji="1" lang="ja-JP" altLang="en-US" dirty="0">
-              <a:solidFill>
-                <a:schemeClr val="tx1"/>
-              </a:solidFill>
-            </a:endParaRPr>
-          </a:p>
-        </p:txBody>
-      </p:sp>
-      <p:sp>
-        <p:nvSpPr>
-          <p:cNvPr id="33" name="四角形: 角を丸くする 32">
-            <a:extLst>
-              <a:ext uri="{FF2B5EF4-FFF2-40B4-BE49-F238E27FC236}">
-                <a16:creationId xmlns:a16="http://schemas.microsoft.com/office/drawing/2014/main" id="{7D32D855-2EDB-46AA-868C-3B5B7C56446B}"/>
-              </a:ext>
-            </a:extLst>
-          </p:cNvPr>
-          <p:cNvSpPr/>
-          <p:nvPr/>
-        </p:nvSpPr>
-        <p:spPr>
-          <a:xfrm>
-            <a:off x="6114262" y="672455"/>
-            <a:ext cx="1026466" cy="843280"/>
-          </a:xfrm>
-          <a:prstGeom prst="roundRect">
-            <a:avLst/>
-          </a:prstGeom>
-          <a:solidFill>
-            <a:schemeClr val="bg1">
-              <a:lumMod val="95000"/>
-            </a:schemeClr>
-          </a:solidFill>
-          <a:ln>
-            <a:noFill/>
-          </a:ln>
-        </p:spPr>
-        <p:style>
-          <a:lnRef idx="2">
-            <a:schemeClr val="accent1">
-              <a:shade val="50000"/>
-            </a:schemeClr>
-          </a:lnRef>
-          <a:fillRef idx="1">
-            <a:schemeClr val="accent1"/>
-          </a:fillRef>
-          <a:effectRef idx="0">
-            <a:schemeClr val="accent1"/>
-          </a:effectRef>
-          <a:fontRef idx="minor">
-            <a:schemeClr val="lt1"/>
-          </a:fontRef>
-        </p:style>
-        <p:txBody>
-          <a:bodyPr rtlCol="0" anchor="ctr"/>
-          <a:lstStyle/>
-          <a:p>
-            <a:pPr algn="ctr"/>
-            <a:r>
-              <a:rPr lang="en-US" altLang="ja-JP" dirty="0">
-                <a:solidFill>
-                  <a:schemeClr val="tx1"/>
-                </a:solidFill>
-              </a:rPr>
-              <a:t>Excel</a:t>
-            </a:r>
-            <a:endParaRPr kumimoji="1" lang="ja-JP" altLang="en-US" dirty="0">
-              <a:solidFill>
-                <a:schemeClr val="tx1"/>
-              </a:solidFill>
-            </a:endParaRPr>
-          </a:p>
-        </p:txBody>
-      </p:sp>
-      <p:sp>
-        <p:nvSpPr>
-          <p:cNvPr id="34" name="四角形: 角を丸くする 33">
-            <a:extLst>
-              <a:ext uri="{FF2B5EF4-FFF2-40B4-BE49-F238E27FC236}">
-                <a16:creationId xmlns:a16="http://schemas.microsoft.com/office/drawing/2014/main" id="{7AD08368-E37A-41DA-B22C-F2A32AACB03A}"/>
-              </a:ext>
-            </a:extLst>
-          </p:cNvPr>
-          <p:cNvSpPr/>
-          <p:nvPr/>
-        </p:nvSpPr>
-        <p:spPr>
-          <a:xfrm>
-            <a:off x="7281386" y="677805"/>
-            <a:ext cx="1017407" cy="843280"/>
-          </a:xfrm>
-          <a:prstGeom prst="roundRect">
-            <a:avLst/>
-          </a:prstGeom>
-          <a:solidFill>
-            <a:schemeClr val="bg1">
-              <a:lumMod val="95000"/>
-            </a:schemeClr>
-          </a:solidFill>
-          <a:ln>
-            <a:noFill/>
-          </a:ln>
-        </p:spPr>
-        <p:style>
-          <a:lnRef idx="2">
-            <a:schemeClr val="accent1">
-              <a:shade val="50000"/>
-            </a:schemeClr>
-          </a:lnRef>
-          <a:fillRef idx="1">
-            <a:schemeClr val="accent1"/>
-          </a:fillRef>
-          <a:effectRef idx="0">
-            <a:schemeClr val="accent1"/>
-          </a:effectRef>
-          <a:fontRef idx="minor">
-            <a:schemeClr val="lt1"/>
-          </a:fontRef>
-        </p:style>
-        <p:txBody>
-          <a:bodyPr rtlCol="0" anchor="ctr"/>
-          <a:lstStyle/>
-          <a:p>
-            <a:pPr algn="ctr"/>
-            <a:r>
-              <a:rPr lang="en-US" altLang="ja-JP" dirty="0">
-                <a:solidFill>
-                  <a:schemeClr val="tx1"/>
-                </a:solidFill>
-              </a:rPr>
-              <a:t>Record</a:t>
-            </a:r>
-            <a:endParaRPr kumimoji="1" lang="ja-JP" altLang="en-US" dirty="0">
-              <a:solidFill>
-                <a:schemeClr val="tx1"/>
-              </a:solidFill>
-            </a:endParaRPr>
-          </a:p>
-        </p:txBody>
-      </p:sp>
-      <p:sp>
-        <p:nvSpPr>
-          <p:cNvPr id="35" name="四角形: 角を丸くする 34">
-            <a:extLst>
-              <a:ext uri="{FF2B5EF4-FFF2-40B4-BE49-F238E27FC236}">
-                <a16:creationId xmlns:a16="http://schemas.microsoft.com/office/drawing/2014/main" id="{A2BE524C-9CAD-4EF0-B1E5-F9330533C042}"/>
-              </a:ext>
-            </a:extLst>
-          </p:cNvPr>
-          <p:cNvSpPr/>
-          <p:nvPr/>
-        </p:nvSpPr>
-        <p:spPr>
-          <a:xfrm>
-            <a:off x="8428208" y="677805"/>
-            <a:ext cx="991370" cy="843280"/>
-          </a:xfrm>
-          <a:prstGeom prst="roundRect">
-            <a:avLst/>
-          </a:prstGeom>
-          <a:solidFill>
-            <a:schemeClr val="bg1">
-              <a:lumMod val="95000"/>
-            </a:schemeClr>
-          </a:solidFill>
-          <a:ln>
-            <a:noFill/>
-          </a:ln>
-        </p:spPr>
-        <p:style>
-          <a:lnRef idx="2">
-            <a:schemeClr val="accent1">
-              <a:shade val="50000"/>
-            </a:schemeClr>
-          </a:lnRef>
-          <a:fillRef idx="1">
-            <a:schemeClr val="accent1"/>
-          </a:fillRef>
-          <a:effectRef idx="0">
-            <a:schemeClr val="accent1"/>
-          </a:effectRef>
-          <a:fontRef idx="minor">
-            <a:schemeClr val="lt1"/>
-          </a:fontRef>
-        </p:style>
-        <p:txBody>
-          <a:bodyPr rtlCol="0" anchor="ctr"/>
-          <a:lstStyle/>
-          <a:p>
-            <a:pPr algn="ctr"/>
-            <a:r>
-              <a:rPr lang="en-US" altLang="ja-JP" dirty="0">
-                <a:solidFill>
-                  <a:schemeClr val="tx1"/>
-                </a:solidFill>
-              </a:rPr>
-              <a:t>Result</a:t>
-            </a:r>
-            <a:endParaRPr kumimoji="1" lang="ja-JP" altLang="en-US" dirty="0">
-              <a:solidFill>
-                <a:schemeClr val="tx1"/>
-              </a:solidFill>
-            </a:endParaRPr>
-          </a:p>
-        </p:txBody>
-      </p:sp>
-      <p:sp>
-        <p:nvSpPr>
-          <p:cNvPr id="36" name="四角形: 角を丸くする 35">
-            <a:extLst>
-              <a:ext uri="{FF2B5EF4-FFF2-40B4-BE49-F238E27FC236}">
-                <a16:creationId xmlns:a16="http://schemas.microsoft.com/office/drawing/2014/main" id="{0464430F-C6DA-4740-8385-B72AA0265598}"/>
-              </a:ext>
-            </a:extLst>
-          </p:cNvPr>
-          <p:cNvSpPr/>
-          <p:nvPr/>
-        </p:nvSpPr>
-        <p:spPr>
-          <a:xfrm>
-            <a:off x="9548993" y="677805"/>
-            <a:ext cx="991371" cy="843280"/>
-          </a:xfrm>
-          <a:prstGeom prst="roundRect">
-            <a:avLst/>
-          </a:prstGeom>
-          <a:solidFill>
-            <a:schemeClr val="bg1">
-              <a:lumMod val="95000"/>
-            </a:schemeClr>
-          </a:solidFill>
-          <a:ln>
-            <a:noFill/>
-          </a:ln>
-        </p:spPr>
-        <p:style>
-          <a:lnRef idx="2">
-            <a:schemeClr val="accent1">
-              <a:shade val="50000"/>
-            </a:schemeClr>
-          </a:lnRef>
-          <a:fillRef idx="1">
-            <a:schemeClr val="accent1"/>
-          </a:fillRef>
-          <a:effectRef idx="0">
-            <a:schemeClr val="accent1"/>
-          </a:effectRef>
-          <a:fontRef idx="minor">
-            <a:schemeClr val="lt1"/>
-          </a:fontRef>
-        </p:style>
-        <p:txBody>
-          <a:bodyPr rtlCol="0" anchor="ctr"/>
-          <a:lstStyle/>
-          <a:p>
-            <a:pPr algn="ctr"/>
-            <a:r>
-              <a:rPr lang="en-US" altLang="ja-JP" dirty="0">
-                <a:solidFill>
-                  <a:schemeClr val="tx1"/>
-                </a:solidFill>
-              </a:rPr>
-              <a:t>Batch</a:t>
             </a:r>
             <a:endParaRPr kumimoji="1" lang="ja-JP" altLang="en-US" dirty="0">
               <a:solidFill>
@@ -12150,7 +11644,7 @@
         </p:nvSpPr>
         <p:spPr>
           <a:xfrm>
-            <a:off x="5679395" y="6227401"/>
+            <a:off x="4862967" y="6227401"/>
             <a:ext cx="1096763" cy="584775"/>
           </a:xfrm>
           <a:prstGeom prst="rect">
@@ -12194,7 +11688,7 @@
         </p:nvSpPr>
         <p:spPr>
           <a:xfrm>
-            <a:off x="6776158" y="6306537"/>
+            <a:off x="5959730" y="6306537"/>
             <a:ext cx="1991779" cy="553998"/>
           </a:xfrm>
           <a:prstGeom prst="rect">
@@ -12253,7 +11747,7 @@
         </p:blipFill>
         <p:spPr bwMode="auto">
           <a:xfrm>
-            <a:off x="5976504" y="5379324"/>
+            <a:off x="5160076" y="5379324"/>
             <a:ext cx="536785" cy="909734"/>
           </a:xfrm>
           <a:prstGeom prst="rect">
@@ -12299,7 +11793,7 @@
         </p:blipFill>
         <p:spPr>
           <a:xfrm>
-            <a:off x="8767937" y="5356927"/>
+            <a:off x="10515089" y="5356927"/>
             <a:ext cx="1219533" cy="1338149"/>
           </a:xfrm>
           <a:prstGeom prst="rect">
@@ -12321,8 +11815,8 @@
         </p:nvSpPr>
         <p:spPr>
           <a:xfrm>
-            <a:off x="9489109" y="6305270"/>
-            <a:ext cx="1577466" cy="553998"/>
+            <a:off x="11236261" y="6305270"/>
+            <a:ext cx="846877" cy="553998"/>
           </a:xfrm>
           <a:prstGeom prst="rect">
             <a:avLst/>
@@ -12346,6 +11840,780 @@
             <a:endParaRPr kumimoji="1" lang="ja-JP" altLang="en-US" sz="3000" b="1" dirty="0">
               <a:solidFill>
                 <a:srgbClr val="FF0000"/>
+              </a:solidFill>
+            </a:endParaRPr>
+          </a:p>
+        </p:txBody>
+      </p:sp>
+      <p:sp>
+        <p:nvSpPr>
+          <p:cNvPr id="52" name="テキスト ボックス 51">
+            <a:extLst>
+              <a:ext uri="{FF2B5EF4-FFF2-40B4-BE49-F238E27FC236}">
+                <a16:creationId xmlns:a16="http://schemas.microsoft.com/office/drawing/2014/main" id="{2F0B271C-671F-44C6-B25E-362D5E59E386}"/>
+              </a:ext>
+            </a:extLst>
+          </p:cNvPr>
+          <p:cNvSpPr txBox="1"/>
+          <p:nvPr/>
+        </p:nvSpPr>
+        <p:spPr>
+          <a:xfrm>
+            <a:off x="8849887" y="6306537"/>
+            <a:ext cx="1991779" cy="553998"/>
+          </a:xfrm>
+          <a:prstGeom prst="rect">
+            <a:avLst/>
+          </a:prstGeom>
+          <a:noFill/>
+        </p:spPr>
+        <p:txBody>
+          <a:bodyPr wrap="square" rtlCol="0">
+            <a:spAutoFit/>
+          </a:bodyPr>
+          <a:lstStyle/>
+          <a:p>
+            <a:r>
+              <a:rPr lang="en-US" altLang="ja-JP" sz="3000" b="1" dirty="0">
+                <a:solidFill>
+                  <a:srgbClr val="FF0000"/>
+                </a:solidFill>
+              </a:rPr>
+              <a:t>24.2.2</a:t>
+            </a:r>
+            <a:r>
+              <a:rPr kumimoji="1" lang="en-US" altLang="ja-JP" sz="3000" b="1" dirty="0">
+                <a:solidFill>
+                  <a:srgbClr val="FF0000"/>
+                </a:solidFill>
+              </a:rPr>
+              <a:t>,…</a:t>
+            </a:r>
+            <a:endParaRPr kumimoji="1" lang="ja-JP" altLang="en-US" sz="3000" b="1" dirty="0">
+              <a:solidFill>
+                <a:srgbClr val="FF0000"/>
+              </a:solidFill>
+            </a:endParaRPr>
+          </a:p>
+        </p:txBody>
+      </p:sp>
+      <p:pic>
+        <p:nvPicPr>
+          <p:cNvPr id="53" name="Picture 2" descr="GraalVM">
+            <a:extLst>
+              <a:ext uri="{FF2B5EF4-FFF2-40B4-BE49-F238E27FC236}">
+                <a16:creationId xmlns:a16="http://schemas.microsoft.com/office/drawing/2014/main" id="{6879C1F6-8DD2-423B-BE29-53886CCFA331}"/>
+              </a:ext>
+            </a:extLst>
+          </p:cNvPr>
+          <p:cNvPicPr>
+            <a:picLocks noChangeAspect="1" noChangeArrowheads="1"/>
+          </p:cNvPicPr>
+          <p:nvPr/>
+        </p:nvPicPr>
+        <p:blipFill>
+          <a:blip r:embed="rId7">
+            <a:extLst>
+              <a:ext uri="{28A0092B-C50C-407E-A947-70E740481C1C}">
+                <a14:useLocalDpi xmlns:a14="http://schemas.microsoft.com/office/drawing/2010/main" val="0"/>
+              </a:ext>
+            </a:extLst>
+          </a:blip>
+          <a:srcRect/>
+          <a:stretch>
+            <a:fillRect/>
+          </a:stretch>
+        </p:blipFill>
+        <p:spPr bwMode="auto">
+          <a:xfrm>
+            <a:off x="7581687" y="5353785"/>
+            <a:ext cx="1276985" cy="982680"/>
+          </a:xfrm>
+          <a:prstGeom prst="rect">
+            <a:avLst/>
+          </a:prstGeom>
+          <a:noFill/>
+          <a:extLst>
+            <a:ext uri="{909E8E84-426E-40DD-AFC4-6F175D3DCCD1}">
+              <a14:hiddenFill xmlns:a14="http://schemas.microsoft.com/office/drawing/2010/main">
+                <a:solidFill>
+                  <a:srgbClr val="FFFFFF"/>
+                </a:solidFill>
+              </a14:hiddenFill>
+            </a:ext>
+          </a:extLst>
+        </p:spPr>
+      </p:pic>
+      <p:sp>
+        <p:nvSpPr>
+          <p:cNvPr id="54" name="テキスト ボックス 53">
+            <a:extLst>
+              <a:ext uri="{FF2B5EF4-FFF2-40B4-BE49-F238E27FC236}">
+                <a16:creationId xmlns:a16="http://schemas.microsoft.com/office/drawing/2014/main" id="{CEC670AD-F38D-4161-80C7-E66066246C14}"/>
+              </a:ext>
+            </a:extLst>
+          </p:cNvPr>
+          <p:cNvSpPr txBox="1"/>
+          <p:nvPr/>
+        </p:nvSpPr>
+        <p:spPr>
+          <a:xfrm>
+            <a:off x="7753124" y="6227401"/>
+            <a:ext cx="1096763" cy="338554"/>
+          </a:xfrm>
+          <a:prstGeom prst="rect">
+            <a:avLst/>
+          </a:prstGeom>
+          <a:noFill/>
+        </p:spPr>
+        <p:txBody>
+          <a:bodyPr wrap="square" rtlCol="0">
+            <a:spAutoFit/>
+          </a:bodyPr>
+          <a:lstStyle/>
+          <a:p>
+            <a:pPr algn="ctr"/>
+            <a:r>
+              <a:rPr lang="en-US" altLang="ja-JP" sz="1600" b="1" dirty="0" err="1"/>
+              <a:t>GraalJS</a:t>
+            </a:r>
+            <a:endParaRPr kumimoji="1" lang="ja-JP" altLang="en-US" sz="1600" b="1" dirty="0"/>
+          </a:p>
+        </p:txBody>
+      </p:sp>
+      <p:sp>
+        <p:nvSpPr>
+          <p:cNvPr id="56" name="四角形: 角を丸くする 55">
+            <a:extLst>
+              <a:ext uri="{FF2B5EF4-FFF2-40B4-BE49-F238E27FC236}">
+                <a16:creationId xmlns:a16="http://schemas.microsoft.com/office/drawing/2014/main" id="{2824B9D7-17DA-4DD0-9DCE-7FA856A1B72C}"/>
+              </a:ext>
+            </a:extLst>
+          </p:cNvPr>
+          <p:cNvSpPr/>
+          <p:nvPr/>
+        </p:nvSpPr>
+        <p:spPr>
+          <a:xfrm>
+            <a:off x="1298129" y="659755"/>
+            <a:ext cx="1101566" cy="843280"/>
+          </a:xfrm>
+          <a:prstGeom prst="roundRect">
+            <a:avLst/>
+          </a:prstGeom>
+          <a:solidFill>
+            <a:schemeClr val="bg1">
+              <a:lumMod val="95000"/>
+            </a:schemeClr>
+          </a:solidFill>
+          <a:ln>
+            <a:noFill/>
+          </a:ln>
+        </p:spPr>
+        <p:style>
+          <a:lnRef idx="2">
+            <a:schemeClr val="accent1">
+              <a:shade val="50000"/>
+            </a:schemeClr>
+          </a:lnRef>
+          <a:fillRef idx="1">
+            <a:schemeClr val="accent1"/>
+          </a:fillRef>
+          <a:effectRef idx="0">
+            <a:schemeClr val="accent1"/>
+          </a:effectRef>
+          <a:fontRef idx="minor">
+            <a:schemeClr val="lt1"/>
+          </a:fontRef>
+        </p:style>
+        <p:txBody>
+          <a:bodyPr rtlCol="0" anchor="ctr"/>
+          <a:lstStyle/>
+          <a:p>
+            <a:pPr algn="ctr"/>
+            <a:r>
+              <a:rPr lang="en-US" altLang="ja-JP" dirty="0">
+                <a:solidFill>
+                  <a:schemeClr val="tx1"/>
+                </a:solidFill>
+              </a:rPr>
+              <a:t>Binary</a:t>
+            </a:r>
+          </a:p>
+          <a:p>
+            <a:pPr algn="ctr"/>
+            <a:r>
+              <a:rPr lang="en-US" altLang="ja-JP" dirty="0">
+                <a:solidFill>
+                  <a:schemeClr val="tx1"/>
+                </a:solidFill>
+              </a:rPr>
+              <a:t>Reader</a:t>
+            </a:r>
+            <a:endParaRPr kumimoji="1" lang="ja-JP" altLang="en-US" dirty="0">
+              <a:solidFill>
+                <a:schemeClr val="tx1"/>
+              </a:solidFill>
+            </a:endParaRPr>
+          </a:p>
+        </p:txBody>
+      </p:sp>
+      <p:sp>
+        <p:nvSpPr>
+          <p:cNvPr id="57" name="四角形: 角を丸くする 56">
+            <a:extLst>
+              <a:ext uri="{FF2B5EF4-FFF2-40B4-BE49-F238E27FC236}">
+                <a16:creationId xmlns:a16="http://schemas.microsoft.com/office/drawing/2014/main" id="{4461FEA2-44C4-43CD-A0C2-B706F80732E7}"/>
+              </a:ext>
+            </a:extLst>
+          </p:cNvPr>
+          <p:cNvSpPr/>
+          <p:nvPr/>
+        </p:nvSpPr>
+        <p:spPr>
+          <a:xfrm>
+            <a:off x="2452895" y="665493"/>
+            <a:ext cx="1101566" cy="843280"/>
+          </a:xfrm>
+          <a:prstGeom prst="roundRect">
+            <a:avLst/>
+          </a:prstGeom>
+          <a:solidFill>
+            <a:schemeClr val="bg1">
+              <a:lumMod val="95000"/>
+            </a:schemeClr>
+          </a:solidFill>
+          <a:ln>
+            <a:noFill/>
+          </a:ln>
+        </p:spPr>
+        <p:style>
+          <a:lnRef idx="2">
+            <a:schemeClr val="accent1">
+              <a:shade val="50000"/>
+            </a:schemeClr>
+          </a:lnRef>
+          <a:fillRef idx="1">
+            <a:schemeClr val="accent1"/>
+          </a:fillRef>
+          <a:effectRef idx="0">
+            <a:schemeClr val="accent1"/>
+          </a:effectRef>
+          <a:fontRef idx="minor">
+            <a:schemeClr val="lt1"/>
+          </a:fontRef>
+        </p:style>
+        <p:txBody>
+          <a:bodyPr rtlCol="0" anchor="ctr"/>
+          <a:lstStyle/>
+          <a:p>
+            <a:pPr algn="ctr"/>
+            <a:r>
+              <a:rPr lang="en-US" altLang="ja-JP" dirty="0">
+                <a:solidFill>
+                  <a:schemeClr val="tx1"/>
+                </a:solidFill>
+              </a:rPr>
+              <a:t>Binary</a:t>
+            </a:r>
+          </a:p>
+          <a:p>
+            <a:pPr algn="ctr"/>
+            <a:r>
+              <a:rPr lang="en-US" altLang="ja-JP" dirty="0">
+                <a:solidFill>
+                  <a:schemeClr val="tx1"/>
+                </a:solidFill>
+              </a:rPr>
+              <a:t>Writer</a:t>
+            </a:r>
+            <a:endParaRPr kumimoji="1" lang="ja-JP" altLang="en-US" dirty="0">
+              <a:solidFill>
+                <a:schemeClr val="tx1"/>
+              </a:solidFill>
+            </a:endParaRPr>
+          </a:p>
+        </p:txBody>
+      </p:sp>
+      <p:sp>
+        <p:nvSpPr>
+          <p:cNvPr id="58" name="四角形: 角を丸くする 57">
+            <a:extLst>
+              <a:ext uri="{FF2B5EF4-FFF2-40B4-BE49-F238E27FC236}">
+                <a16:creationId xmlns:a16="http://schemas.microsoft.com/office/drawing/2014/main" id="{796015C4-E2EA-4380-8D82-CC1C6ABDF40E}"/>
+              </a:ext>
+            </a:extLst>
+          </p:cNvPr>
+          <p:cNvSpPr/>
+          <p:nvPr/>
+        </p:nvSpPr>
+        <p:spPr>
+          <a:xfrm>
+            <a:off x="3608223" y="668182"/>
+            <a:ext cx="1101566" cy="843280"/>
+          </a:xfrm>
+          <a:prstGeom prst="roundRect">
+            <a:avLst/>
+          </a:prstGeom>
+          <a:solidFill>
+            <a:schemeClr val="bg1">
+              <a:lumMod val="95000"/>
+            </a:schemeClr>
+          </a:solidFill>
+          <a:ln>
+            <a:noFill/>
+          </a:ln>
+        </p:spPr>
+        <p:style>
+          <a:lnRef idx="2">
+            <a:schemeClr val="accent1">
+              <a:shade val="50000"/>
+            </a:schemeClr>
+          </a:lnRef>
+          <a:fillRef idx="1">
+            <a:schemeClr val="accent1"/>
+          </a:fillRef>
+          <a:effectRef idx="0">
+            <a:schemeClr val="accent1"/>
+          </a:effectRef>
+          <a:fontRef idx="minor">
+            <a:schemeClr val="lt1"/>
+          </a:fontRef>
+        </p:style>
+        <p:txBody>
+          <a:bodyPr rtlCol="0" anchor="ctr"/>
+          <a:lstStyle/>
+          <a:p>
+            <a:pPr algn="ctr"/>
+            <a:r>
+              <a:rPr lang="en-US" altLang="ja-JP" dirty="0">
+                <a:solidFill>
+                  <a:schemeClr val="tx1"/>
+                </a:solidFill>
+              </a:rPr>
+              <a:t>CSV</a:t>
+            </a:r>
+          </a:p>
+          <a:p>
+            <a:pPr algn="ctr"/>
+            <a:r>
+              <a:rPr lang="en-US" altLang="ja-JP" dirty="0">
+                <a:solidFill>
+                  <a:schemeClr val="tx1"/>
+                </a:solidFill>
+              </a:rPr>
+              <a:t>Reader</a:t>
+            </a:r>
+            <a:endParaRPr kumimoji="1" lang="ja-JP" altLang="en-US" dirty="0">
+              <a:solidFill>
+                <a:schemeClr val="tx1"/>
+              </a:solidFill>
+            </a:endParaRPr>
+          </a:p>
+        </p:txBody>
+      </p:sp>
+      <p:sp>
+        <p:nvSpPr>
+          <p:cNvPr id="60" name="四角形: 角を丸くする 59">
+            <a:extLst>
+              <a:ext uri="{FF2B5EF4-FFF2-40B4-BE49-F238E27FC236}">
+                <a16:creationId xmlns:a16="http://schemas.microsoft.com/office/drawing/2014/main" id="{C3C0E699-16F6-459C-BF30-E17F417AFFDB}"/>
+              </a:ext>
+            </a:extLst>
+          </p:cNvPr>
+          <p:cNvSpPr/>
+          <p:nvPr/>
+        </p:nvSpPr>
+        <p:spPr>
+          <a:xfrm>
+            <a:off x="4757680" y="672455"/>
+            <a:ext cx="1026466" cy="843280"/>
+          </a:xfrm>
+          <a:prstGeom prst="roundRect">
+            <a:avLst/>
+          </a:prstGeom>
+          <a:solidFill>
+            <a:schemeClr val="bg1">
+              <a:lumMod val="95000"/>
+            </a:schemeClr>
+          </a:solidFill>
+          <a:ln>
+            <a:noFill/>
+          </a:ln>
+        </p:spPr>
+        <p:style>
+          <a:lnRef idx="2">
+            <a:schemeClr val="accent1">
+              <a:shade val="50000"/>
+            </a:schemeClr>
+          </a:lnRef>
+          <a:fillRef idx="1">
+            <a:schemeClr val="accent1"/>
+          </a:fillRef>
+          <a:effectRef idx="0">
+            <a:schemeClr val="accent1"/>
+          </a:effectRef>
+          <a:fontRef idx="minor">
+            <a:schemeClr val="lt1"/>
+          </a:fontRef>
+        </p:style>
+        <p:txBody>
+          <a:bodyPr rtlCol="0" anchor="ctr"/>
+          <a:lstStyle/>
+          <a:p>
+            <a:pPr algn="ctr"/>
+            <a:r>
+              <a:rPr lang="en-US" altLang="ja-JP" dirty="0">
+                <a:solidFill>
+                  <a:schemeClr val="tx1"/>
+                </a:solidFill>
+              </a:rPr>
+              <a:t>CSV</a:t>
+            </a:r>
+          </a:p>
+          <a:p>
+            <a:pPr algn="ctr"/>
+            <a:r>
+              <a:rPr lang="en-US" altLang="ja-JP" dirty="0">
+                <a:solidFill>
+                  <a:schemeClr val="tx1"/>
+                </a:solidFill>
+              </a:rPr>
+              <a:t>Writer</a:t>
+            </a:r>
+            <a:endParaRPr kumimoji="1" lang="ja-JP" altLang="en-US" dirty="0">
+              <a:solidFill>
+                <a:schemeClr val="tx1"/>
+              </a:solidFill>
+            </a:endParaRPr>
+          </a:p>
+        </p:txBody>
+      </p:sp>
+      <p:sp>
+        <p:nvSpPr>
+          <p:cNvPr id="61" name="四角形: 角を丸くする 60">
+            <a:extLst>
+              <a:ext uri="{FF2B5EF4-FFF2-40B4-BE49-F238E27FC236}">
+                <a16:creationId xmlns:a16="http://schemas.microsoft.com/office/drawing/2014/main" id="{323CE20B-7240-4098-BE15-5B2B5E1EB34C}"/>
+              </a:ext>
+            </a:extLst>
+          </p:cNvPr>
+          <p:cNvSpPr/>
+          <p:nvPr/>
+        </p:nvSpPr>
+        <p:spPr>
+          <a:xfrm>
+            <a:off x="5829921" y="657247"/>
+            <a:ext cx="829950" cy="843280"/>
+          </a:xfrm>
+          <a:prstGeom prst="roundRect">
+            <a:avLst/>
+          </a:prstGeom>
+          <a:solidFill>
+            <a:schemeClr val="bg1">
+              <a:lumMod val="95000"/>
+            </a:schemeClr>
+          </a:solidFill>
+          <a:ln>
+            <a:noFill/>
+          </a:ln>
+        </p:spPr>
+        <p:style>
+          <a:lnRef idx="2">
+            <a:schemeClr val="accent1">
+              <a:shade val="50000"/>
+            </a:schemeClr>
+          </a:lnRef>
+          <a:fillRef idx="1">
+            <a:schemeClr val="accent1"/>
+          </a:fillRef>
+          <a:effectRef idx="0">
+            <a:schemeClr val="accent1"/>
+          </a:effectRef>
+          <a:fontRef idx="minor">
+            <a:schemeClr val="lt1"/>
+          </a:fontRef>
+        </p:style>
+        <p:txBody>
+          <a:bodyPr rtlCol="0" anchor="ctr"/>
+          <a:lstStyle/>
+          <a:p>
+            <a:pPr algn="ctr"/>
+            <a:r>
+              <a:rPr lang="en-US" altLang="ja-JP" dirty="0">
+                <a:solidFill>
+                  <a:schemeClr val="tx1"/>
+                </a:solidFill>
+              </a:rPr>
+              <a:t>Excel</a:t>
+            </a:r>
+            <a:endParaRPr kumimoji="1" lang="ja-JP" altLang="en-US" dirty="0">
+              <a:solidFill>
+                <a:schemeClr val="tx1"/>
+              </a:solidFill>
+            </a:endParaRPr>
+          </a:p>
+        </p:txBody>
+      </p:sp>
+      <p:sp>
+        <p:nvSpPr>
+          <p:cNvPr id="62" name="四角形: 角を丸くする 61">
+            <a:extLst>
+              <a:ext uri="{FF2B5EF4-FFF2-40B4-BE49-F238E27FC236}">
+                <a16:creationId xmlns:a16="http://schemas.microsoft.com/office/drawing/2014/main" id="{C8101649-CADF-4942-8F08-FF5C9CD21C76}"/>
+              </a:ext>
+            </a:extLst>
+          </p:cNvPr>
+          <p:cNvSpPr/>
+          <p:nvPr/>
+        </p:nvSpPr>
+        <p:spPr>
+          <a:xfrm>
+            <a:off x="6751817" y="661802"/>
+            <a:ext cx="1020230" cy="843280"/>
+          </a:xfrm>
+          <a:prstGeom prst="roundRect">
+            <a:avLst/>
+          </a:prstGeom>
+          <a:solidFill>
+            <a:schemeClr val="bg1">
+              <a:lumMod val="95000"/>
+            </a:schemeClr>
+          </a:solidFill>
+          <a:ln>
+            <a:noFill/>
+          </a:ln>
+        </p:spPr>
+        <p:style>
+          <a:lnRef idx="2">
+            <a:schemeClr val="accent1">
+              <a:shade val="50000"/>
+            </a:schemeClr>
+          </a:lnRef>
+          <a:fillRef idx="1">
+            <a:schemeClr val="accent1"/>
+          </a:fillRef>
+          <a:effectRef idx="0">
+            <a:schemeClr val="accent1"/>
+          </a:effectRef>
+          <a:fontRef idx="minor">
+            <a:schemeClr val="lt1"/>
+          </a:fontRef>
+        </p:style>
+        <p:txBody>
+          <a:bodyPr rtlCol="0" anchor="ctr"/>
+          <a:lstStyle/>
+          <a:p>
+            <a:pPr algn="ctr"/>
+            <a:r>
+              <a:rPr lang="en-US" altLang="ja-JP" dirty="0">
+                <a:solidFill>
+                  <a:schemeClr val="tx1"/>
+                </a:solidFill>
+              </a:rPr>
+              <a:t>Record</a:t>
+            </a:r>
+            <a:endParaRPr kumimoji="1" lang="ja-JP" altLang="en-US" dirty="0">
+              <a:solidFill>
+                <a:schemeClr val="tx1"/>
+              </a:solidFill>
+            </a:endParaRPr>
+          </a:p>
+        </p:txBody>
+      </p:sp>
+      <p:sp>
+        <p:nvSpPr>
+          <p:cNvPr id="63" name="四角形: 角を丸くする 62">
+            <a:extLst>
+              <a:ext uri="{FF2B5EF4-FFF2-40B4-BE49-F238E27FC236}">
+                <a16:creationId xmlns:a16="http://schemas.microsoft.com/office/drawing/2014/main" id="{3226F608-87FF-4891-AA86-BCF9A9118CF2}"/>
+              </a:ext>
+            </a:extLst>
+          </p:cNvPr>
+          <p:cNvSpPr/>
+          <p:nvPr/>
+        </p:nvSpPr>
+        <p:spPr>
+          <a:xfrm>
+            <a:off x="8625166" y="664746"/>
+            <a:ext cx="944633" cy="843280"/>
+          </a:xfrm>
+          <a:prstGeom prst="roundRect">
+            <a:avLst/>
+          </a:prstGeom>
+          <a:solidFill>
+            <a:schemeClr val="bg1">
+              <a:lumMod val="95000"/>
+            </a:schemeClr>
+          </a:solidFill>
+          <a:ln>
+            <a:noFill/>
+          </a:ln>
+        </p:spPr>
+        <p:style>
+          <a:lnRef idx="2">
+            <a:schemeClr val="accent1">
+              <a:shade val="50000"/>
+            </a:schemeClr>
+          </a:lnRef>
+          <a:fillRef idx="1">
+            <a:schemeClr val="accent1"/>
+          </a:fillRef>
+          <a:effectRef idx="0">
+            <a:schemeClr val="accent1"/>
+          </a:effectRef>
+          <a:fontRef idx="minor">
+            <a:schemeClr val="lt1"/>
+          </a:fontRef>
+        </p:style>
+        <p:txBody>
+          <a:bodyPr rtlCol="0" anchor="ctr"/>
+          <a:lstStyle/>
+          <a:p>
+            <a:pPr algn="ctr"/>
+            <a:r>
+              <a:rPr lang="en-US" altLang="ja-JP" dirty="0">
+                <a:solidFill>
+                  <a:schemeClr val="tx1"/>
+                </a:solidFill>
+              </a:rPr>
+              <a:t>Result</a:t>
+            </a:r>
+            <a:endParaRPr kumimoji="1" lang="ja-JP" altLang="en-US" dirty="0">
+              <a:solidFill>
+                <a:schemeClr val="tx1"/>
+              </a:solidFill>
+            </a:endParaRPr>
+          </a:p>
+        </p:txBody>
+      </p:sp>
+      <p:sp>
+        <p:nvSpPr>
+          <p:cNvPr id="65" name="四角形: 角を丸くする 64">
+            <a:extLst>
+              <a:ext uri="{FF2B5EF4-FFF2-40B4-BE49-F238E27FC236}">
+                <a16:creationId xmlns:a16="http://schemas.microsoft.com/office/drawing/2014/main" id="{C0E43982-A7D3-4D09-A4A5-8150810100C3}"/>
+              </a:ext>
+            </a:extLst>
+          </p:cNvPr>
+          <p:cNvSpPr/>
+          <p:nvPr/>
+        </p:nvSpPr>
+        <p:spPr>
+          <a:xfrm>
+            <a:off x="9652282" y="677805"/>
+            <a:ext cx="888082" cy="843280"/>
+          </a:xfrm>
+          <a:prstGeom prst="roundRect">
+            <a:avLst/>
+          </a:prstGeom>
+          <a:solidFill>
+            <a:schemeClr val="bg1">
+              <a:lumMod val="95000"/>
+            </a:schemeClr>
+          </a:solidFill>
+          <a:ln>
+            <a:noFill/>
+          </a:ln>
+        </p:spPr>
+        <p:style>
+          <a:lnRef idx="2">
+            <a:schemeClr val="accent1">
+              <a:shade val="50000"/>
+            </a:schemeClr>
+          </a:lnRef>
+          <a:fillRef idx="1">
+            <a:schemeClr val="accent1"/>
+          </a:fillRef>
+          <a:effectRef idx="0">
+            <a:schemeClr val="accent1"/>
+          </a:effectRef>
+          <a:fontRef idx="minor">
+            <a:schemeClr val="lt1"/>
+          </a:fontRef>
+        </p:style>
+        <p:txBody>
+          <a:bodyPr rtlCol="0" anchor="ctr"/>
+          <a:lstStyle/>
+          <a:p>
+            <a:pPr algn="ctr"/>
+            <a:r>
+              <a:rPr lang="en-US" altLang="ja-JP" dirty="0">
+                <a:solidFill>
+                  <a:schemeClr val="tx1"/>
+                </a:solidFill>
+              </a:rPr>
+              <a:t>Batch</a:t>
+            </a:r>
+            <a:endParaRPr kumimoji="1" lang="ja-JP" altLang="en-US" dirty="0">
+              <a:solidFill>
+                <a:schemeClr val="tx1"/>
+              </a:solidFill>
+            </a:endParaRPr>
+          </a:p>
+        </p:txBody>
+      </p:sp>
+      <p:sp>
+        <p:nvSpPr>
+          <p:cNvPr id="66" name="四角形: 角を丸くする 65">
+            <a:extLst>
+              <a:ext uri="{FF2B5EF4-FFF2-40B4-BE49-F238E27FC236}">
+                <a16:creationId xmlns:a16="http://schemas.microsoft.com/office/drawing/2014/main" id="{24D5498F-E55B-4A0B-AEDA-583630B3466D}"/>
+              </a:ext>
+            </a:extLst>
+          </p:cNvPr>
+          <p:cNvSpPr/>
+          <p:nvPr/>
+        </p:nvSpPr>
+        <p:spPr>
+          <a:xfrm>
+            <a:off x="7832157" y="660416"/>
+            <a:ext cx="736384" cy="843280"/>
+          </a:xfrm>
+          <a:prstGeom prst="roundRect">
+            <a:avLst/>
+          </a:prstGeom>
+          <a:solidFill>
+            <a:schemeClr val="bg1">
+              <a:lumMod val="95000"/>
+            </a:schemeClr>
+          </a:solidFill>
+          <a:ln>
+            <a:noFill/>
+          </a:ln>
+        </p:spPr>
+        <p:style>
+          <a:lnRef idx="2">
+            <a:schemeClr val="accent1">
+              <a:shade val="50000"/>
+            </a:schemeClr>
+          </a:lnRef>
+          <a:fillRef idx="1">
+            <a:schemeClr val="accent1"/>
+          </a:fillRef>
+          <a:effectRef idx="0">
+            <a:schemeClr val="accent1"/>
+          </a:effectRef>
+          <a:fontRef idx="minor">
+            <a:schemeClr val="lt1"/>
+          </a:fontRef>
+        </p:style>
+        <p:txBody>
+          <a:bodyPr rtlCol="0" anchor="ctr"/>
+          <a:lstStyle/>
+          <a:p>
+            <a:pPr algn="ctr"/>
+            <a:r>
+              <a:rPr lang="en-US" altLang="ja-JP" dirty="0">
+                <a:solidFill>
+                  <a:schemeClr val="tx1"/>
+                </a:solidFill>
+              </a:rPr>
+              <a:t>Pdf</a:t>
+            </a:r>
+            <a:endParaRPr kumimoji="1" lang="ja-JP" altLang="en-US" dirty="0">
+              <a:solidFill>
+                <a:schemeClr val="tx1"/>
               </a:solidFill>
             </a:endParaRPr>
           </a:p>

--- a/docs/img/画像作成用.pptx
+++ b/docs/img/画像作成用.pptx
@@ -199,7 +199,7 @@
           <a:p>
             <a:fld id="{685A68BC-8F81-4B0D-92FD-71EB7813FF7D}" type="datetimeFigureOut">
               <a:rPr kumimoji="1" lang="ja-JP" altLang="en-US" smtClean="0"/>
-              <a:t>2025/11/1</a:t>
+              <a:t>2025/11/5</a:t>
             </a:fld>
             <a:endParaRPr kumimoji="1" lang="ja-JP" altLang="en-US"/>
           </a:p>
@@ -729,7 +729,7 @@
           <a:p>
             <a:fld id="{267EFEEF-E18A-4475-85ED-60EC09292CB4}" type="datetimeFigureOut">
               <a:rPr kumimoji="1" lang="ja-JP" altLang="en-US" smtClean="0"/>
-              <a:t>2025/11/1</a:t>
+              <a:t>2025/11/5</a:t>
             </a:fld>
             <a:endParaRPr kumimoji="1" lang="ja-JP" altLang="en-US"/>
           </a:p>
@@ -959,7 +959,7 @@
           <a:p>
             <a:fld id="{267EFEEF-E18A-4475-85ED-60EC09292CB4}" type="datetimeFigureOut">
               <a:rPr kumimoji="1" lang="ja-JP" altLang="en-US" smtClean="0"/>
-              <a:t>2025/11/1</a:t>
+              <a:t>2025/11/5</a:t>
             </a:fld>
             <a:endParaRPr kumimoji="1" lang="ja-JP" altLang="en-US"/>
           </a:p>
@@ -1199,7 +1199,7 @@
           <a:p>
             <a:fld id="{267EFEEF-E18A-4475-85ED-60EC09292CB4}" type="datetimeFigureOut">
               <a:rPr kumimoji="1" lang="ja-JP" altLang="en-US" smtClean="0"/>
-              <a:t>2025/11/1</a:t>
+              <a:t>2025/11/5</a:t>
             </a:fld>
             <a:endParaRPr kumimoji="1" lang="ja-JP" altLang="en-US"/>
           </a:p>
@@ -1429,7 +1429,7 @@
           <a:p>
             <a:fld id="{267EFEEF-E18A-4475-85ED-60EC09292CB4}" type="datetimeFigureOut">
               <a:rPr kumimoji="1" lang="ja-JP" altLang="en-US" smtClean="0"/>
-              <a:t>2025/11/1</a:t>
+              <a:t>2025/11/5</a:t>
             </a:fld>
             <a:endParaRPr kumimoji="1" lang="ja-JP" altLang="en-US"/>
           </a:p>
@@ -1704,7 +1704,7 @@
           <a:p>
             <a:fld id="{267EFEEF-E18A-4475-85ED-60EC09292CB4}" type="datetimeFigureOut">
               <a:rPr kumimoji="1" lang="ja-JP" altLang="en-US" smtClean="0"/>
-              <a:t>2025/11/1</a:t>
+              <a:t>2025/11/5</a:t>
             </a:fld>
             <a:endParaRPr kumimoji="1" lang="ja-JP" altLang="en-US"/>
           </a:p>
@@ -2033,7 +2033,7 @@
           <a:p>
             <a:fld id="{267EFEEF-E18A-4475-85ED-60EC09292CB4}" type="datetimeFigureOut">
               <a:rPr kumimoji="1" lang="ja-JP" altLang="en-US" smtClean="0"/>
-              <a:t>2025/11/1</a:t>
+              <a:t>2025/11/5</a:t>
             </a:fld>
             <a:endParaRPr kumimoji="1" lang="ja-JP" altLang="en-US"/>
           </a:p>
@@ -2509,7 +2509,7 @@
           <a:p>
             <a:fld id="{267EFEEF-E18A-4475-85ED-60EC09292CB4}" type="datetimeFigureOut">
               <a:rPr kumimoji="1" lang="ja-JP" altLang="en-US" smtClean="0"/>
-              <a:t>2025/11/1</a:t>
+              <a:t>2025/11/5</a:t>
             </a:fld>
             <a:endParaRPr kumimoji="1" lang="ja-JP" altLang="en-US"/>
           </a:p>
@@ -2650,7 +2650,7 @@
           <a:p>
             <a:fld id="{267EFEEF-E18A-4475-85ED-60EC09292CB4}" type="datetimeFigureOut">
               <a:rPr kumimoji="1" lang="ja-JP" altLang="en-US" smtClean="0"/>
-              <a:t>2025/11/1</a:t>
+              <a:t>2025/11/5</a:t>
             </a:fld>
             <a:endParaRPr kumimoji="1" lang="ja-JP" altLang="en-US"/>
           </a:p>
@@ -2763,7 +2763,7 @@
           <a:p>
             <a:fld id="{267EFEEF-E18A-4475-85ED-60EC09292CB4}" type="datetimeFigureOut">
               <a:rPr kumimoji="1" lang="ja-JP" altLang="en-US" smtClean="0"/>
-              <a:t>2025/11/1</a:t>
+              <a:t>2025/11/5</a:t>
             </a:fld>
             <a:endParaRPr kumimoji="1" lang="ja-JP" altLang="en-US"/>
           </a:p>
@@ -3106,7 +3106,7 @@
           <a:p>
             <a:fld id="{267EFEEF-E18A-4475-85ED-60EC09292CB4}" type="datetimeFigureOut">
               <a:rPr kumimoji="1" lang="ja-JP" altLang="en-US" smtClean="0"/>
-              <a:t>2025/11/1</a:t>
+              <a:t>2025/11/5</a:t>
             </a:fld>
             <a:endParaRPr kumimoji="1" lang="ja-JP" altLang="en-US"/>
           </a:p>
@@ -3394,7 +3394,7 @@
           <a:p>
             <a:fld id="{267EFEEF-E18A-4475-85ED-60EC09292CB4}" type="datetimeFigureOut">
               <a:rPr kumimoji="1" lang="ja-JP" altLang="en-US" smtClean="0"/>
-              <a:t>2025/11/1</a:t>
+              <a:t>2025/11/5</a:t>
             </a:fld>
             <a:endParaRPr kumimoji="1" lang="ja-JP" altLang="en-US"/>
           </a:p>
@@ -3667,7 +3667,7 @@
           <a:p>
             <a:fld id="{267EFEEF-E18A-4475-85ED-60EC09292CB4}" type="datetimeFigureOut">
               <a:rPr kumimoji="1" lang="ja-JP" altLang="en-US" smtClean="0"/>
-              <a:t>2025/11/1</a:t>
+              <a:t>2025/11/5</a:t>
             </a:fld>
             <a:endParaRPr kumimoji="1" lang="ja-JP" altLang="en-US"/>
           </a:p>
@@ -10274,8 +10274,8 @@
         </p:nvSpPr>
         <p:spPr>
           <a:xfrm>
-            <a:off x="2855904" y="2496256"/>
-            <a:ext cx="1077845" cy="260190"/>
+            <a:off x="2855904" y="2385549"/>
+            <a:ext cx="1077845" cy="388838"/>
           </a:xfrm>
           <a:prstGeom prst="roundRect">
             <a:avLst/>
@@ -10340,8 +10340,8 @@
         </p:nvSpPr>
         <p:spPr>
           <a:xfrm>
-            <a:off x="2855904" y="2205891"/>
-            <a:ext cx="1077845" cy="255233"/>
+            <a:off x="2855904" y="1955783"/>
+            <a:ext cx="1077845" cy="360668"/>
           </a:xfrm>
           <a:prstGeom prst="roundRect">
             <a:avLst/>
@@ -10406,8 +10406,8 @@
         </p:nvSpPr>
         <p:spPr>
           <a:xfrm>
-            <a:off x="2855904" y="1932000"/>
-            <a:ext cx="1077845" cy="237706"/>
+            <a:off x="1661859" y="2384656"/>
+            <a:ext cx="1062592" cy="389731"/>
           </a:xfrm>
           <a:prstGeom prst="roundRect">
             <a:avLst/>
@@ -11174,7 +11174,7 @@
                   <a:schemeClr val="tx1"/>
                 </a:solidFill>
               </a:rPr>
-              <a:t>efwCorsFilter</a:t>
+              <a:t>efwWebSocket</a:t>
             </a:r>
             <a:endParaRPr kumimoji="1" lang="ja-JP" altLang="en-US" dirty="0">
               <a:solidFill>
@@ -12610,6 +12610,72 @@
                 </a:solidFill>
               </a:rPr>
               <a:t>Pdf</a:t>
+            </a:r>
+            <a:endParaRPr kumimoji="1" lang="ja-JP" altLang="en-US" dirty="0">
+              <a:solidFill>
+                <a:schemeClr val="tx1"/>
+              </a:solidFill>
+            </a:endParaRPr>
+          </a:p>
+        </p:txBody>
+      </p:sp>
+      <p:sp>
+        <p:nvSpPr>
+          <p:cNvPr id="67" name="四角形: 角を丸くする 66">
+            <a:extLst>
+              <a:ext uri="{FF2B5EF4-FFF2-40B4-BE49-F238E27FC236}">
+                <a16:creationId xmlns:a16="http://schemas.microsoft.com/office/drawing/2014/main" id="{B7CA0433-3238-4ED1-941B-F96BD291DC26}"/>
+              </a:ext>
+            </a:extLst>
+          </p:cNvPr>
+          <p:cNvSpPr/>
+          <p:nvPr/>
+        </p:nvSpPr>
+        <p:spPr>
+          <a:xfrm>
+            <a:off x="1661859" y="1951632"/>
+            <a:ext cx="1077845" cy="370100"/>
+          </a:xfrm>
+          <a:prstGeom prst="roundRect">
+            <a:avLst/>
+          </a:prstGeom>
+          <a:solidFill>
+            <a:schemeClr val="bg1">
+              <a:lumMod val="95000"/>
+            </a:schemeClr>
+          </a:solidFill>
+          <a:ln>
+            <a:noFill/>
+          </a:ln>
+        </p:spPr>
+        <p:style>
+          <a:lnRef idx="2">
+            <a:schemeClr val="accent1">
+              <a:shade val="50000"/>
+            </a:schemeClr>
+          </a:lnRef>
+          <a:fillRef idx="1">
+            <a:schemeClr val="accent1"/>
+          </a:fillRef>
+          <a:effectRef idx="0">
+            <a:schemeClr val="accent1"/>
+          </a:effectRef>
+          <a:fontRef idx="minor">
+            <a:schemeClr val="lt1"/>
+          </a:fontRef>
+        </p:style>
+        <p:txBody>
+          <a:bodyPr rtlCol="0" anchor="ctr"/>
+          <a:lstStyle/>
+          <a:p>
+            <a:pPr algn="ctr"/>
+            <a:r>
+              <a:rPr kumimoji="1" lang="en-US" altLang="ja-JP" dirty="0">
+                <a:solidFill>
+                  <a:schemeClr val="tx1"/>
+                </a:solidFill>
+              </a:rPr>
+              <a:t>context</a:t>
             </a:r>
             <a:endParaRPr kumimoji="1" lang="ja-JP" altLang="en-US" dirty="0">
               <a:solidFill>

--- a/docs/img/画像作成用.pptx
+++ b/docs/img/画像作成用.pptx
@@ -9812,8 +9812,8 @@
         </p:nvSpPr>
         <p:spPr>
           <a:xfrm>
-            <a:off x="6458946" y="1888445"/>
-            <a:ext cx="1394460" cy="843280"/>
+            <a:off x="6458946" y="1877054"/>
+            <a:ext cx="1394460" cy="843281"/>
           </a:xfrm>
           <a:prstGeom prst="roundRect">
             <a:avLst/>
@@ -9878,8 +9878,8 @@
         </p:nvSpPr>
         <p:spPr>
           <a:xfrm>
-            <a:off x="7964657" y="1901859"/>
-            <a:ext cx="1415630" cy="829866"/>
+            <a:off x="7964657" y="1877054"/>
+            <a:ext cx="1415630" cy="843281"/>
           </a:xfrm>
           <a:prstGeom prst="roundRect">
             <a:avLst/>
@@ -10274,8 +10274,8 @@
         </p:nvSpPr>
         <p:spPr>
           <a:xfrm>
-            <a:off x="2855904" y="2385549"/>
-            <a:ext cx="1077845" cy="388838"/>
+            <a:off x="2870692" y="2341362"/>
+            <a:ext cx="1046625" cy="366951"/>
           </a:xfrm>
           <a:prstGeom prst="roundRect">
             <a:avLst/>
@@ -10340,8 +10340,8 @@
         </p:nvSpPr>
         <p:spPr>
           <a:xfrm>
-            <a:off x="2855904" y="1955783"/>
-            <a:ext cx="1077845" cy="360668"/>
+            <a:off x="2875367" y="1881338"/>
+            <a:ext cx="1046625" cy="387992"/>
           </a:xfrm>
           <a:prstGeom prst="roundRect">
             <a:avLst/>
@@ -10406,8 +10406,8 @@
         </p:nvSpPr>
         <p:spPr>
           <a:xfrm>
-            <a:off x="1661859" y="2384656"/>
-            <a:ext cx="1062592" cy="389731"/>
+            <a:off x="1691900" y="2327233"/>
+            <a:ext cx="1062592" cy="386239"/>
           </a:xfrm>
           <a:prstGeom prst="roundRect">
             <a:avLst/>
@@ -10472,8 +10472,8 @@
         </p:nvSpPr>
         <p:spPr>
           <a:xfrm>
-            <a:off x="4042573" y="1932000"/>
-            <a:ext cx="1085262" cy="389731"/>
+            <a:off x="4031075" y="1877484"/>
+            <a:ext cx="1085262" cy="391846"/>
           </a:xfrm>
           <a:prstGeom prst="roundRect">
             <a:avLst/>
@@ -10538,8 +10538,8 @@
         </p:nvSpPr>
         <p:spPr>
           <a:xfrm>
-            <a:off x="4042571" y="2385549"/>
-            <a:ext cx="1085263" cy="389731"/>
+            <a:off x="4031075" y="2341362"/>
+            <a:ext cx="1085263" cy="357458"/>
           </a:xfrm>
           <a:prstGeom prst="roundRect">
             <a:avLst/>
@@ -10604,8 +10604,8 @@
         </p:nvSpPr>
         <p:spPr>
           <a:xfrm>
-            <a:off x="5232537" y="1912273"/>
-            <a:ext cx="1120809" cy="843280"/>
+            <a:off x="5214560" y="1877054"/>
+            <a:ext cx="1120809" cy="831259"/>
           </a:xfrm>
           <a:prstGeom prst="roundRect">
             <a:avLst/>
@@ -12633,8 +12633,8 @@
         </p:nvSpPr>
         <p:spPr>
           <a:xfrm>
-            <a:off x="1661859" y="1951632"/>
-            <a:ext cx="1077845" cy="370100"/>
+            <a:off x="1678000" y="1868338"/>
+            <a:ext cx="1077845" cy="387992"/>
           </a:xfrm>
           <a:prstGeom prst="roundRect">
             <a:avLst/>

--- a/docs/img/画像作成用.pptx
+++ b/docs/img/画像作成用.pptx
@@ -199,7 +199,7 @@
           <a:p>
             <a:fld id="{685A68BC-8F81-4B0D-92FD-71EB7813FF7D}" type="datetimeFigureOut">
               <a:rPr kumimoji="1" lang="ja-JP" altLang="en-US" smtClean="0"/>
-              <a:t>2025/11/5</a:t>
+              <a:t>2025/12/31</a:t>
             </a:fld>
             <a:endParaRPr kumimoji="1" lang="ja-JP" altLang="en-US"/>
           </a:p>
@@ -729,7 +729,7 @@
           <a:p>
             <a:fld id="{267EFEEF-E18A-4475-85ED-60EC09292CB4}" type="datetimeFigureOut">
               <a:rPr kumimoji="1" lang="ja-JP" altLang="en-US" smtClean="0"/>
-              <a:t>2025/11/5</a:t>
+              <a:t>2025/12/31</a:t>
             </a:fld>
             <a:endParaRPr kumimoji="1" lang="ja-JP" altLang="en-US"/>
           </a:p>
@@ -959,7 +959,7 @@
           <a:p>
             <a:fld id="{267EFEEF-E18A-4475-85ED-60EC09292CB4}" type="datetimeFigureOut">
               <a:rPr kumimoji="1" lang="ja-JP" altLang="en-US" smtClean="0"/>
-              <a:t>2025/11/5</a:t>
+              <a:t>2025/12/31</a:t>
             </a:fld>
             <a:endParaRPr kumimoji="1" lang="ja-JP" altLang="en-US"/>
           </a:p>
@@ -1199,7 +1199,7 @@
           <a:p>
             <a:fld id="{267EFEEF-E18A-4475-85ED-60EC09292CB4}" type="datetimeFigureOut">
               <a:rPr kumimoji="1" lang="ja-JP" altLang="en-US" smtClean="0"/>
-              <a:t>2025/11/5</a:t>
+              <a:t>2025/12/31</a:t>
             </a:fld>
             <a:endParaRPr kumimoji="1" lang="ja-JP" altLang="en-US"/>
           </a:p>
@@ -1429,7 +1429,7 @@
           <a:p>
             <a:fld id="{267EFEEF-E18A-4475-85ED-60EC09292CB4}" type="datetimeFigureOut">
               <a:rPr kumimoji="1" lang="ja-JP" altLang="en-US" smtClean="0"/>
-              <a:t>2025/11/5</a:t>
+              <a:t>2025/12/31</a:t>
             </a:fld>
             <a:endParaRPr kumimoji="1" lang="ja-JP" altLang="en-US"/>
           </a:p>
@@ -1704,7 +1704,7 @@
           <a:p>
             <a:fld id="{267EFEEF-E18A-4475-85ED-60EC09292CB4}" type="datetimeFigureOut">
               <a:rPr kumimoji="1" lang="ja-JP" altLang="en-US" smtClean="0"/>
-              <a:t>2025/11/5</a:t>
+              <a:t>2025/12/31</a:t>
             </a:fld>
             <a:endParaRPr kumimoji="1" lang="ja-JP" altLang="en-US"/>
           </a:p>
@@ -2033,7 +2033,7 @@
           <a:p>
             <a:fld id="{267EFEEF-E18A-4475-85ED-60EC09292CB4}" type="datetimeFigureOut">
               <a:rPr kumimoji="1" lang="ja-JP" altLang="en-US" smtClean="0"/>
-              <a:t>2025/11/5</a:t>
+              <a:t>2025/12/31</a:t>
             </a:fld>
             <a:endParaRPr kumimoji="1" lang="ja-JP" altLang="en-US"/>
           </a:p>
@@ -2509,7 +2509,7 @@
           <a:p>
             <a:fld id="{267EFEEF-E18A-4475-85ED-60EC09292CB4}" type="datetimeFigureOut">
               <a:rPr kumimoji="1" lang="ja-JP" altLang="en-US" smtClean="0"/>
-              <a:t>2025/11/5</a:t>
+              <a:t>2025/12/31</a:t>
             </a:fld>
             <a:endParaRPr kumimoji="1" lang="ja-JP" altLang="en-US"/>
           </a:p>
@@ -2650,7 +2650,7 @@
           <a:p>
             <a:fld id="{267EFEEF-E18A-4475-85ED-60EC09292CB4}" type="datetimeFigureOut">
               <a:rPr kumimoji="1" lang="ja-JP" altLang="en-US" smtClean="0"/>
-              <a:t>2025/11/5</a:t>
+              <a:t>2025/12/31</a:t>
             </a:fld>
             <a:endParaRPr kumimoji="1" lang="ja-JP" altLang="en-US"/>
           </a:p>
@@ -2763,7 +2763,7 @@
           <a:p>
             <a:fld id="{267EFEEF-E18A-4475-85ED-60EC09292CB4}" type="datetimeFigureOut">
               <a:rPr kumimoji="1" lang="ja-JP" altLang="en-US" smtClean="0"/>
-              <a:t>2025/11/5</a:t>
+              <a:t>2025/12/31</a:t>
             </a:fld>
             <a:endParaRPr kumimoji="1" lang="ja-JP" altLang="en-US"/>
           </a:p>
@@ -3106,7 +3106,7 @@
           <a:p>
             <a:fld id="{267EFEEF-E18A-4475-85ED-60EC09292CB4}" type="datetimeFigureOut">
               <a:rPr kumimoji="1" lang="ja-JP" altLang="en-US" smtClean="0"/>
-              <a:t>2025/11/5</a:t>
+              <a:t>2025/12/31</a:t>
             </a:fld>
             <a:endParaRPr kumimoji="1" lang="ja-JP" altLang="en-US"/>
           </a:p>
@@ -3394,7 +3394,7 @@
           <a:p>
             <a:fld id="{267EFEEF-E18A-4475-85ED-60EC09292CB4}" type="datetimeFigureOut">
               <a:rPr kumimoji="1" lang="ja-JP" altLang="en-US" smtClean="0"/>
-              <a:t>2025/11/5</a:t>
+              <a:t>2025/12/31</a:t>
             </a:fld>
             <a:endParaRPr kumimoji="1" lang="ja-JP" altLang="en-US"/>
           </a:p>
@@ -3667,7 +3667,7 @@
           <a:p>
             <a:fld id="{267EFEEF-E18A-4475-85ED-60EC09292CB4}" type="datetimeFigureOut">
               <a:rPr kumimoji="1" lang="ja-JP" altLang="en-US" smtClean="0"/>
-              <a:t>2025/11/5</a:t>
+              <a:t>2025/12/31</a:t>
             </a:fld>
             <a:endParaRPr kumimoji="1" lang="ja-JP" altLang="en-US"/>
           </a:p>
@@ -6607,7 +6607,7 @@
         <p:spPr>
           <a:xfrm>
             <a:off x="181008" y="1729740"/>
-            <a:ext cx="5101431" cy="1158240"/>
+            <a:ext cx="3956879" cy="1158240"/>
           </a:xfrm>
           <a:prstGeom prst="roundRect">
             <a:avLst/>
@@ -7511,8 +7511,8 @@
         </p:nvSpPr>
         <p:spPr>
           <a:xfrm>
-            <a:off x="5393765" y="1722120"/>
-            <a:ext cx="6630595" cy="1158240"/>
+            <a:off x="5943600" y="1722120"/>
+            <a:ext cx="6080760" cy="1158240"/>
           </a:xfrm>
           <a:prstGeom prst="roundRect">
             <a:avLst/>
@@ -7545,12 +7545,12 @@
           <a:lstStyle/>
           <a:p>
             <a:r>
-              <a:rPr lang="en-US" altLang="ja-JP" dirty="0">
+              <a:rPr kumimoji="1" lang="en-US" altLang="ja-JP" dirty="0">
                 <a:solidFill>
                   <a:schemeClr val="tx1"/>
                 </a:solidFill>
               </a:rPr>
-              <a:t>Functions</a:t>
+              <a:t>Dialogs</a:t>
             </a:r>
             <a:endParaRPr kumimoji="1" lang="ja-JP" altLang="en-US" dirty="0">
               <a:solidFill>
@@ -7574,8 +7574,8 @@
         </p:nvSpPr>
         <p:spPr>
           <a:xfrm>
-            <a:off x="9994901" y="1887220"/>
-            <a:ext cx="1841500" cy="843280"/>
+            <a:off x="10563157" y="1887220"/>
+            <a:ext cx="1273244" cy="843280"/>
           </a:xfrm>
           <a:prstGeom prst="roundRect">
             <a:avLst/>
@@ -7611,28 +7611,12 @@
           <a:p>
             <a:pPr algn="ctr"/>
             <a:r>
-              <a:rPr lang="en-US" altLang="ja-JP" dirty="0" err="1">
+              <a:rPr lang="en-US" altLang="ja-JP" dirty="0">
                 <a:solidFill>
                   <a:schemeClr val="tx1"/>
                 </a:solidFill>
               </a:rPr>
-              <a:t>efw.dialog</a:t>
-            </a:r>
-            <a:endParaRPr lang="en-US" altLang="ja-JP" dirty="0">
-              <a:solidFill>
-                <a:schemeClr val="tx1"/>
-              </a:solidFill>
-            </a:endParaRPr>
-          </a:p>
-          <a:p>
-            <a:pPr algn="ctr"/>
-            <a:r>
-              <a:rPr lang="en-US" altLang="ja-JP" dirty="0">
-                <a:solidFill>
-                  <a:schemeClr val="tx1"/>
-                </a:solidFill>
-              </a:rPr>
-              <a:t>.wait</a:t>
+              <a:t>progress</a:t>
             </a:r>
             <a:endParaRPr kumimoji="1" lang="ja-JP" altLang="en-US" dirty="0">
               <a:solidFill>
@@ -7656,8 +7640,8 @@
         </p:nvSpPr>
         <p:spPr>
           <a:xfrm>
-            <a:off x="8042077" y="1887220"/>
-            <a:ext cx="1841499" cy="843280"/>
+            <a:off x="7005750" y="1885981"/>
+            <a:ext cx="1031825" cy="843280"/>
           </a:xfrm>
           <a:prstGeom prst="roundRect">
             <a:avLst/>
@@ -7693,28 +7677,12 @@
           <a:p>
             <a:pPr algn="ctr"/>
             <a:r>
-              <a:rPr lang="en-US" altLang="ja-JP" dirty="0" err="1">
+              <a:rPr lang="en-US" altLang="ja-JP" dirty="0">
                 <a:solidFill>
                   <a:schemeClr val="tx1"/>
                 </a:solidFill>
               </a:rPr>
-              <a:t>efw.dialog</a:t>
-            </a:r>
-            <a:endParaRPr lang="en-US" altLang="ja-JP" dirty="0">
-              <a:solidFill>
-                <a:schemeClr val="tx1"/>
-              </a:solidFill>
-            </a:endParaRPr>
-          </a:p>
-          <a:p>
-            <a:pPr algn="ctr"/>
-            <a:r>
-              <a:rPr lang="en-US" altLang="ja-JP" dirty="0">
-                <a:solidFill>
-                  <a:schemeClr val="tx1"/>
-                </a:solidFill>
-              </a:rPr>
-              <a:t>.alert</a:t>
+              <a:t>alert</a:t>
             </a:r>
             <a:endParaRPr kumimoji="1" lang="ja-JP" altLang="en-US" dirty="0">
               <a:solidFill>
@@ -7738,8 +7706,8 @@
         </p:nvSpPr>
         <p:spPr>
           <a:xfrm>
-            <a:off x="3755526" y="1871980"/>
-            <a:ext cx="1367886" cy="843280"/>
+            <a:off x="2897902" y="1871980"/>
+            <a:ext cx="1120809" cy="843280"/>
           </a:xfrm>
           <a:prstGeom prst="roundRect">
             <a:avLst/>
@@ -7775,12 +7743,78 @@
           <a:p>
             <a:pPr algn="ctr"/>
             <a:r>
-              <a:rPr lang="en-US" altLang="ja-JP" dirty="0">
+              <a:rPr lang="en-US" altLang="ja-JP" sz="1700" dirty="0">
                 <a:solidFill>
                   <a:schemeClr val="tx1"/>
                 </a:solidFill>
               </a:rPr>
               <a:t>data-shortcut</a:t>
+            </a:r>
+            <a:endParaRPr kumimoji="1" lang="ja-JP" altLang="en-US" sz="1700" dirty="0">
+              <a:solidFill>
+                <a:schemeClr val="tx1"/>
+              </a:solidFill>
+            </a:endParaRPr>
+          </a:p>
+        </p:txBody>
+      </p:sp>
+      <p:sp>
+        <p:nvSpPr>
+          <p:cNvPr id="26" name="四角形: 角を丸くする 25">
+            <a:extLst>
+              <a:ext uri="{FF2B5EF4-FFF2-40B4-BE49-F238E27FC236}">
+                <a16:creationId xmlns:a16="http://schemas.microsoft.com/office/drawing/2014/main" id="{1C02B6FC-D731-4E99-8323-989EA2DAA038}"/>
+              </a:ext>
+            </a:extLst>
+          </p:cNvPr>
+          <p:cNvSpPr/>
+          <p:nvPr/>
+        </p:nvSpPr>
+        <p:spPr>
+          <a:xfrm>
+            <a:off x="1645489" y="1871980"/>
+            <a:ext cx="1120810" cy="843280"/>
+          </a:xfrm>
+          <a:prstGeom prst="roundRect">
+            <a:avLst/>
+          </a:prstGeom>
+          <a:solidFill>
+            <a:schemeClr val="bg1">
+              <a:lumMod val="95000"/>
+            </a:schemeClr>
+          </a:solidFill>
+          <a:ln>
+            <a:noFill/>
+          </a:ln>
+        </p:spPr>
+        <p:style>
+          <a:lnRef idx="2">
+            <a:schemeClr val="accent1">
+              <a:shade val="50000"/>
+            </a:schemeClr>
+          </a:lnRef>
+          <a:fillRef idx="1">
+            <a:schemeClr val="accent1"/>
+          </a:fillRef>
+          <a:effectRef idx="0">
+            <a:schemeClr val="accent1"/>
+          </a:effectRef>
+          <a:fontRef idx="minor">
+            <a:schemeClr val="lt1"/>
+          </a:fontRef>
+        </p:style>
+        <p:txBody>
+          <a:bodyPr rtlCol="0" anchor="ctr"/>
+          <a:lstStyle/>
+          <a:p>
+            <a:pPr algn="ctr"/>
+            <a:r>
+              <a:rPr lang="en-US" altLang="ja-JP" dirty="0">
+                <a:solidFill>
+                  <a:schemeClr val="tx1"/>
+                </a:solidFill>
+              </a:rPr>
+              <a:t>data-format</a:t>
             </a:r>
             <a:endParaRPr kumimoji="1" lang="ja-JP" altLang="en-US" dirty="0">
               <a:solidFill>
@@ -7792,10 +7826,10 @@
       </p:sp>
       <p:sp>
         <p:nvSpPr>
-          <p:cNvPr id="26" name="四角形: 角を丸くする 25">
-            <a:extLst>
-              <a:ext uri="{FF2B5EF4-FFF2-40B4-BE49-F238E27FC236}">
-                <a16:creationId xmlns:a16="http://schemas.microsoft.com/office/drawing/2014/main" id="{1C02B6FC-D731-4E99-8323-989EA2DAA038}"/>
+          <p:cNvPr id="28" name="四角形: 角を丸くする 27">
+            <a:extLst>
+              <a:ext uri="{FF2B5EF4-FFF2-40B4-BE49-F238E27FC236}">
+                <a16:creationId xmlns:a16="http://schemas.microsoft.com/office/drawing/2014/main" id="{4657ACA2-EFA4-441B-A9CD-95B178BCE8D1}"/>
               </a:ext>
             </a:extLst>
           </p:cNvPr>
@@ -7804,8 +7838,8 @@
         </p:nvSpPr>
         <p:spPr>
           <a:xfrm>
-            <a:off x="2316993" y="1871980"/>
-            <a:ext cx="1327207" cy="843280"/>
+            <a:off x="10430886" y="3098800"/>
+            <a:ext cx="1392419" cy="402431"/>
           </a:xfrm>
           <a:prstGeom prst="roundRect">
             <a:avLst/>
@@ -7841,12 +7875,12 @@
           <a:p>
             <a:pPr algn="ctr"/>
             <a:r>
-              <a:rPr lang="en-US" altLang="ja-JP" dirty="0">
+              <a:rPr lang="en-US" altLang="ja-JP" dirty="0" err="1">
                 <a:solidFill>
                   <a:schemeClr val="tx1"/>
                 </a:solidFill>
               </a:rPr>
-              <a:t>data-format</a:t>
+              <a:t>Js.cookie</a:t>
             </a:r>
             <a:endParaRPr kumimoji="1" lang="ja-JP" altLang="en-US" dirty="0">
               <a:solidFill>
@@ -7858,10 +7892,10 @@
       </p:sp>
       <p:sp>
         <p:nvSpPr>
-          <p:cNvPr id="28" name="四角形: 角を丸くする 27">
-            <a:extLst>
-              <a:ext uri="{FF2B5EF4-FFF2-40B4-BE49-F238E27FC236}">
-                <a16:creationId xmlns:a16="http://schemas.microsoft.com/office/drawing/2014/main" id="{4657ACA2-EFA4-441B-A9CD-95B178BCE8D1}"/>
+          <p:cNvPr id="29" name="四角形: 角を丸くする 28">
+            <a:extLst>
+              <a:ext uri="{FF2B5EF4-FFF2-40B4-BE49-F238E27FC236}">
+                <a16:creationId xmlns:a16="http://schemas.microsoft.com/office/drawing/2014/main" id="{01C40116-CAF0-4710-B398-C07749376B56}"/>
               </a:ext>
             </a:extLst>
           </p:cNvPr>
@@ -7870,8 +7904,8 @@
         </p:nvSpPr>
         <p:spPr>
           <a:xfrm>
-            <a:off x="10430886" y="3098800"/>
-            <a:ext cx="1392419" cy="843280"/>
+            <a:off x="2369579" y="3676810"/>
+            <a:ext cx="1625520" cy="260190"/>
           </a:xfrm>
           <a:prstGeom prst="roundRect">
             <a:avLst/>
@@ -7905,14 +7939,13 @@
           <a:bodyPr rtlCol="0" anchor="ctr"/>
           <a:lstStyle/>
           <a:p>
-            <a:pPr algn="ctr"/>
-            <a:r>
-              <a:rPr lang="en-US" altLang="ja-JP" dirty="0" err="1">
+            <a:r>
+              <a:rPr lang="en-US" altLang="ja-JP" dirty="0">
                 <a:solidFill>
                   <a:schemeClr val="tx1"/>
                 </a:solidFill>
               </a:rPr>
-              <a:t>Js.cookie</a:t>
+              <a:t>.messages</a:t>
             </a:r>
             <a:endParaRPr kumimoji="1" lang="ja-JP" altLang="en-US" dirty="0">
               <a:solidFill>
@@ -7924,10 +7957,10 @@
       </p:sp>
       <p:sp>
         <p:nvSpPr>
-          <p:cNvPr id="29" name="四角形: 角を丸くする 28">
-            <a:extLst>
-              <a:ext uri="{FF2B5EF4-FFF2-40B4-BE49-F238E27FC236}">
-                <a16:creationId xmlns:a16="http://schemas.microsoft.com/office/drawing/2014/main" id="{01C40116-CAF0-4710-B398-C07749376B56}"/>
+          <p:cNvPr id="30" name="四角形: 角を丸くする 29">
+            <a:extLst>
+              <a:ext uri="{FF2B5EF4-FFF2-40B4-BE49-F238E27FC236}">
+                <a16:creationId xmlns:a16="http://schemas.microsoft.com/office/drawing/2014/main" id="{2E42A6EA-69F2-4D11-851B-8A560AE57123}"/>
               </a:ext>
             </a:extLst>
           </p:cNvPr>
@@ -7936,8 +7969,8 @@
         </p:nvSpPr>
         <p:spPr>
           <a:xfrm>
-            <a:off x="2369579" y="3676810"/>
-            <a:ext cx="1625520" cy="260190"/>
+            <a:off x="2369579" y="3385392"/>
+            <a:ext cx="1625520" cy="255233"/>
           </a:xfrm>
           <a:prstGeom prst="roundRect">
             <a:avLst/>
@@ -7977,7 +8010,7 @@
                   <a:schemeClr val="tx1"/>
                 </a:solidFill>
               </a:rPr>
-              <a:t>.messages</a:t>
+              <a:t>.format</a:t>
             </a:r>
             <a:endParaRPr kumimoji="1" lang="ja-JP" altLang="en-US" dirty="0">
               <a:solidFill>
@@ -7989,10 +8022,10 @@
       </p:sp>
       <p:sp>
         <p:nvSpPr>
-          <p:cNvPr id="30" name="四角形: 角を丸くする 29">
-            <a:extLst>
-              <a:ext uri="{FF2B5EF4-FFF2-40B4-BE49-F238E27FC236}">
-                <a16:creationId xmlns:a16="http://schemas.microsoft.com/office/drawing/2014/main" id="{2E42A6EA-69F2-4D11-851B-8A560AE57123}"/>
+          <p:cNvPr id="31" name="四角形: 角を丸くする 30">
+            <a:extLst>
+              <a:ext uri="{FF2B5EF4-FFF2-40B4-BE49-F238E27FC236}">
+                <a16:creationId xmlns:a16="http://schemas.microsoft.com/office/drawing/2014/main" id="{A0AD0F57-BC06-4E34-BCC2-205A44AFE212}"/>
               </a:ext>
             </a:extLst>
           </p:cNvPr>
@@ -8001,8 +8034,8 @@
         </p:nvSpPr>
         <p:spPr>
           <a:xfrm>
-            <a:off x="2369579" y="3385392"/>
-            <a:ext cx="1625520" cy="255233"/>
+            <a:off x="657231" y="3093720"/>
+            <a:ext cx="1625520" cy="843280"/>
           </a:xfrm>
           <a:prstGeom prst="roundRect">
             <a:avLst/>
@@ -8036,13 +8069,14 @@
           <a:bodyPr rtlCol="0" anchor="ctr"/>
           <a:lstStyle/>
           <a:p>
-            <a:r>
-              <a:rPr lang="en-US" altLang="ja-JP" dirty="0">
+            <a:pPr algn="ctr"/>
+            <a:r>
+              <a:rPr lang="en-US" altLang="ja-JP" dirty="0" err="1">
                 <a:solidFill>
                   <a:schemeClr val="tx1"/>
                 </a:solidFill>
               </a:rPr>
-              <a:t>.format</a:t>
+              <a:t>efw.client</a:t>
             </a:r>
             <a:endParaRPr kumimoji="1" lang="ja-JP" altLang="en-US" dirty="0">
               <a:solidFill>
@@ -8054,10 +8088,10 @@
       </p:sp>
       <p:sp>
         <p:nvSpPr>
-          <p:cNvPr id="31" name="四角形: 角を丸くする 30">
-            <a:extLst>
-              <a:ext uri="{FF2B5EF4-FFF2-40B4-BE49-F238E27FC236}">
-                <a16:creationId xmlns:a16="http://schemas.microsoft.com/office/drawing/2014/main" id="{A0AD0F57-BC06-4E34-BCC2-205A44AFE212}"/>
+          <p:cNvPr id="32" name="四角形: 角を丸くする 31">
+            <a:extLst>
+              <a:ext uri="{FF2B5EF4-FFF2-40B4-BE49-F238E27FC236}">
+                <a16:creationId xmlns:a16="http://schemas.microsoft.com/office/drawing/2014/main" id="{3E785B69-7973-4449-8B0B-0C5794961698}"/>
               </a:ext>
             </a:extLst>
           </p:cNvPr>
@@ -8066,8 +8100,8 @@
         </p:nvSpPr>
         <p:spPr>
           <a:xfrm>
-            <a:off x="657231" y="3093720"/>
-            <a:ext cx="1625520" cy="843280"/>
+            <a:off x="2369579" y="3111501"/>
+            <a:ext cx="1625520" cy="237706"/>
           </a:xfrm>
           <a:prstGeom prst="roundRect">
             <a:avLst/>
@@ -8101,14 +8135,21 @@
           <a:bodyPr rtlCol="0" anchor="ctr"/>
           <a:lstStyle/>
           <a:p>
-            <a:pPr algn="ctr"/>
+            <a:r>
+              <a:rPr lang="en-US" altLang="ja-JP" dirty="0">
+                <a:solidFill>
+                  <a:schemeClr val="tx1"/>
+                </a:solidFill>
+              </a:rPr>
+              <a:t>.</a:t>
+            </a:r>
             <a:r>
               <a:rPr lang="en-US" altLang="ja-JP" dirty="0" err="1">
                 <a:solidFill>
                   <a:schemeClr val="tx1"/>
                 </a:solidFill>
               </a:rPr>
-              <a:t>efw.client</a:t>
+              <a:t>nopromise</a:t>
             </a:r>
             <a:endParaRPr kumimoji="1" lang="ja-JP" altLang="en-US" dirty="0">
               <a:solidFill>
@@ -8120,10 +8161,10 @@
       </p:sp>
       <p:sp>
         <p:nvSpPr>
-          <p:cNvPr id="32" name="四角形: 角を丸くする 31">
-            <a:extLst>
-              <a:ext uri="{FF2B5EF4-FFF2-40B4-BE49-F238E27FC236}">
-                <a16:creationId xmlns:a16="http://schemas.microsoft.com/office/drawing/2014/main" id="{3E785B69-7973-4449-8B0B-0C5794961698}"/>
+          <p:cNvPr id="35" name="四角形: 角を丸くする 34">
+            <a:extLst>
+              <a:ext uri="{FF2B5EF4-FFF2-40B4-BE49-F238E27FC236}">
+                <a16:creationId xmlns:a16="http://schemas.microsoft.com/office/drawing/2014/main" id="{9A4CD131-EB64-47CC-B623-0A825186DD86}"/>
               </a:ext>
             </a:extLst>
           </p:cNvPr>
@@ -8132,8 +8173,8 @@
         </p:nvSpPr>
         <p:spPr>
           <a:xfrm>
-            <a:off x="2369579" y="3111501"/>
-            <a:ext cx="1625520" cy="237706"/>
+            <a:off x="4125915" y="3111500"/>
+            <a:ext cx="1392419" cy="843280"/>
           </a:xfrm>
           <a:prstGeom prst="roundRect">
             <a:avLst/>
@@ -8167,21 +8208,14 @@
           <a:bodyPr rtlCol="0" anchor="ctr"/>
           <a:lstStyle/>
           <a:p>
-            <a:r>
-              <a:rPr lang="en-US" altLang="ja-JP" dirty="0">
+            <a:pPr algn="ctr"/>
+            <a:r>
+              <a:rPr lang="en-US" altLang="ja-JP" dirty="0" err="1">
                 <a:solidFill>
                   <a:schemeClr val="tx1"/>
                 </a:solidFill>
               </a:rPr>
-              <a:t>.</a:t>
-            </a:r>
-            <a:r>
-              <a:rPr lang="en-US" altLang="ja-JP" dirty="0" err="1">
-                <a:solidFill>
-                  <a:schemeClr val="tx1"/>
-                </a:solidFill>
-              </a:rPr>
-              <a:t>nopromise</a:t>
+              <a:t>efw.chart</a:t>
             </a:r>
             <a:endParaRPr kumimoji="1" lang="ja-JP" altLang="en-US" dirty="0">
               <a:solidFill>
@@ -8193,10 +8227,10 @@
       </p:sp>
       <p:sp>
         <p:nvSpPr>
-          <p:cNvPr id="34" name="四角形: 角を丸くする 33">
-            <a:extLst>
-              <a:ext uri="{FF2B5EF4-FFF2-40B4-BE49-F238E27FC236}">
-                <a16:creationId xmlns:a16="http://schemas.microsoft.com/office/drawing/2014/main" id="{90555874-F27B-4644-A150-8C5F635B5815}"/>
+          <p:cNvPr id="36" name="四角形: 角を丸くする 35">
+            <a:extLst>
+              <a:ext uri="{FF2B5EF4-FFF2-40B4-BE49-F238E27FC236}">
+                <a16:creationId xmlns:a16="http://schemas.microsoft.com/office/drawing/2014/main" id="{36B09CD7-012E-4AA8-9937-CE2266F9E204}"/>
               </a:ext>
             </a:extLst>
           </p:cNvPr>
@@ -8205,8 +8239,8 @@
         </p:nvSpPr>
         <p:spPr>
           <a:xfrm>
-            <a:off x="6809943" y="1879600"/>
-            <a:ext cx="1120809" cy="843280"/>
+            <a:off x="5612421" y="3111500"/>
+            <a:ext cx="1540219" cy="389731"/>
           </a:xfrm>
           <a:prstGeom prst="roundRect">
             <a:avLst/>
@@ -8240,14 +8274,21 @@
           <a:bodyPr rtlCol="0" anchor="ctr"/>
           <a:lstStyle/>
           <a:p>
-            <a:pPr algn="ctr"/>
+            <a:r>
+              <a:rPr lang="en-US" altLang="ja-JP" dirty="0">
+                <a:solidFill>
+                  <a:schemeClr val="tx1"/>
+                </a:solidFill>
+              </a:rPr>
+              <a:t>.</a:t>
+            </a:r>
             <a:r>
               <a:rPr lang="en-US" altLang="ja-JP" dirty="0" err="1">
                 <a:solidFill>
                   <a:schemeClr val="tx1"/>
                 </a:solidFill>
               </a:rPr>
-              <a:t>Efw</a:t>
+              <a:t>chartjs</a:t>
             </a:r>
             <a:endParaRPr kumimoji="1" lang="ja-JP" altLang="en-US" dirty="0">
               <a:solidFill>
@@ -8259,10 +8300,10 @@
       </p:sp>
       <p:sp>
         <p:nvSpPr>
-          <p:cNvPr id="35" name="四角形: 角を丸くする 34">
-            <a:extLst>
-              <a:ext uri="{FF2B5EF4-FFF2-40B4-BE49-F238E27FC236}">
-                <a16:creationId xmlns:a16="http://schemas.microsoft.com/office/drawing/2014/main" id="{9A4CD131-EB64-47CC-B623-0A825186DD86}"/>
+          <p:cNvPr id="37" name="四角形: 角を丸くする 36">
+            <a:extLst>
+              <a:ext uri="{FF2B5EF4-FFF2-40B4-BE49-F238E27FC236}">
+                <a16:creationId xmlns:a16="http://schemas.microsoft.com/office/drawing/2014/main" id="{94A551B4-7D7C-4706-B40B-D2ACDF59C4AE}"/>
               </a:ext>
             </a:extLst>
           </p:cNvPr>
@@ -8271,8 +8312,8 @@
         </p:nvSpPr>
         <p:spPr>
           <a:xfrm>
-            <a:off x="4125915" y="3111500"/>
-            <a:ext cx="1392419" cy="843280"/>
+            <a:off x="5612420" y="3565049"/>
+            <a:ext cx="1540220" cy="389731"/>
           </a:xfrm>
           <a:prstGeom prst="roundRect">
             <a:avLst/>
@@ -8306,14 +8347,21 @@
           <a:bodyPr rtlCol="0" anchor="ctr"/>
           <a:lstStyle/>
           <a:p>
-            <a:pPr algn="ctr"/>
+            <a:r>
+              <a:rPr lang="en-US" altLang="ja-JP" dirty="0">
+                <a:solidFill>
+                  <a:schemeClr val="tx1"/>
+                </a:solidFill>
+              </a:rPr>
+              <a:t>.</a:t>
+            </a:r>
             <a:r>
               <a:rPr lang="en-US" altLang="ja-JP" dirty="0" err="1">
                 <a:solidFill>
                   <a:schemeClr val="tx1"/>
                 </a:solidFill>
               </a:rPr>
-              <a:t>efw.chart</a:t>
+              <a:t>googlechart</a:t>
             </a:r>
             <a:endParaRPr kumimoji="1" lang="ja-JP" altLang="en-US" dirty="0">
               <a:solidFill>
@@ -8325,10 +8373,10 @@
       </p:sp>
       <p:sp>
         <p:nvSpPr>
-          <p:cNvPr id="36" name="四角形: 角を丸くする 35">
-            <a:extLst>
-              <a:ext uri="{FF2B5EF4-FFF2-40B4-BE49-F238E27FC236}">
-                <a16:creationId xmlns:a16="http://schemas.microsoft.com/office/drawing/2014/main" id="{36B09CD7-012E-4AA8-9937-CE2266F9E204}"/>
+          <p:cNvPr id="38" name="四角形: 角を丸くする 37">
+            <a:extLst>
+              <a:ext uri="{FF2B5EF4-FFF2-40B4-BE49-F238E27FC236}">
+                <a16:creationId xmlns:a16="http://schemas.microsoft.com/office/drawing/2014/main" id="{9731D4B1-F928-4EA2-A64E-4A3953085ED9}"/>
               </a:ext>
             </a:extLst>
           </p:cNvPr>
@@ -8337,8 +8385,8 @@
         </p:nvSpPr>
         <p:spPr>
           <a:xfrm>
-            <a:off x="5612421" y="3111500"/>
-            <a:ext cx="1540219" cy="389731"/>
+            <a:off x="7246726" y="3098800"/>
+            <a:ext cx="1392419" cy="843280"/>
           </a:xfrm>
           <a:prstGeom prst="roundRect">
             <a:avLst/>
@@ -8372,21 +8420,14 @@
           <a:bodyPr rtlCol="0" anchor="ctr"/>
           <a:lstStyle/>
           <a:p>
-            <a:r>
-              <a:rPr lang="en-US" altLang="ja-JP" dirty="0">
+            <a:pPr algn="ctr"/>
+            <a:r>
+              <a:rPr lang="en-US" altLang="ja-JP" dirty="0" err="1">
                 <a:solidFill>
                   <a:schemeClr val="tx1"/>
                 </a:solidFill>
               </a:rPr>
-              <a:t>.</a:t>
-            </a:r>
-            <a:r>
-              <a:rPr lang="en-US" altLang="ja-JP" dirty="0" err="1">
-                <a:solidFill>
-                  <a:schemeClr val="tx1"/>
-                </a:solidFill>
-              </a:rPr>
-              <a:t>chartjs</a:t>
+              <a:t>efw.dialog</a:t>
             </a:r>
             <a:endParaRPr kumimoji="1" lang="ja-JP" altLang="en-US" dirty="0">
               <a:solidFill>
@@ -8398,10 +8439,10 @@
       </p:sp>
       <p:sp>
         <p:nvSpPr>
-          <p:cNvPr id="37" name="四角形: 角を丸くする 36">
-            <a:extLst>
-              <a:ext uri="{FF2B5EF4-FFF2-40B4-BE49-F238E27FC236}">
-                <a16:creationId xmlns:a16="http://schemas.microsoft.com/office/drawing/2014/main" id="{94A551B4-7D7C-4706-B40B-D2ACDF59C4AE}"/>
+          <p:cNvPr id="42" name="四角形: 角を丸くする 41">
+            <a:extLst>
+              <a:ext uri="{FF2B5EF4-FFF2-40B4-BE49-F238E27FC236}">
+                <a16:creationId xmlns:a16="http://schemas.microsoft.com/office/drawing/2014/main" id="{B077813C-3611-480F-9530-0C35A7FA4771}"/>
               </a:ext>
             </a:extLst>
           </p:cNvPr>
@@ -8410,8 +8451,8 @@
         </p:nvSpPr>
         <p:spPr>
           <a:xfrm>
-            <a:off x="5612420" y="3565049"/>
-            <a:ext cx="1540220" cy="389731"/>
+            <a:off x="10430886" y="3565048"/>
+            <a:ext cx="1405514" cy="371951"/>
           </a:xfrm>
           <a:prstGeom prst="roundRect">
             <a:avLst/>
@@ -8446,20 +8487,12 @@
           <a:lstStyle/>
           <a:p>
             <a:r>
-              <a:rPr lang="en-US" altLang="ja-JP" dirty="0">
+              <a:rPr lang="en-US" altLang="ja-JP" dirty="0" err="1">
                 <a:solidFill>
                   <a:schemeClr val="tx1"/>
                 </a:solidFill>
               </a:rPr>
-              <a:t>.</a:t>
-            </a:r>
-            <a:r>
-              <a:rPr lang="en-US" altLang="ja-JP" dirty="0" err="1">
-                <a:solidFill>
-                  <a:schemeClr val="tx1"/>
-                </a:solidFill>
-              </a:rPr>
-              <a:t>googlechart</a:t>
+              <a:t>easytimer</a:t>
             </a:r>
             <a:endParaRPr kumimoji="1" lang="ja-JP" altLang="en-US" dirty="0">
               <a:solidFill>
@@ -8471,10 +8504,10 @@
       </p:sp>
       <p:sp>
         <p:nvSpPr>
-          <p:cNvPr id="38" name="四角形: 角を丸くする 37">
-            <a:extLst>
-              <a:ext uri="{FF2B5EF4-FFF2-40B4-BE49-F238E27FC236}">
-                <a16:creationId xmlns:a16="http://schemas.microsoft.com/office/drawing/2014/main" id="{9731D4B1-F928-4EA2-A64E-4A3953085ED9}"/>
+          <p:cNvPr id="43" name="四角形: 角を丸くする 42">
+            <a:extLst>
+              <a:ext uri="{FF2B5EF4-FFF2-40B4-BE49-F238E27FC236}">
+                <a16:creationId xmlns:a16="http://schemas.microsoft.com/office/drawing/2014/main" id="{CBC9D707-58F2-41AA-ABF2-D8C5E6521817}"/>
               </a:ext>
             </a:extLst>
           </p:cNvPr>
@@ -8483,8 +8516,8 @@
         </p:nvSpPr>
         <p:spPr>
           <a:xfrm>
-            <a:off x="7246726" y="3098800"/>
-            <a:ext cx="1392419" cy="843280"/>
+            <a:off x="8725214" y="3565048"/>
+            <a:ext cx="1625520" cy="371951"/>
           </a:xfrm>
           <a:prstGeom prst="roundRect">
             <a:avLst/>
@@ -8518,14 +8551,13 @@
           <a:bodyPr rtlCol="0" anchor="ctr"/>
           <a:lstStyle/>
           <a:p>
-            <a:pPr algn="ctr"/>
-            <a:r>
-              <a:rPr lang="en-US" altLang="ja-JP" dirty="0" err="1">
+            <a:r>
+              <a:rPr lang="en-US" altLang="ja-JP" dirty="0">
                 <a:solidFill>
                   <a:schemeClr val="tx1"/>
                 </a:solidFill>
               </a:rPr>
-              <a:t>efw.dialog</a:t>
+              <a:t>.bootstrap</a:t>
             </a:r>
             <a:endParaRPr kumimoji="1" lang="ja-JP" altLang="en-US" dirty="0">
               <a:solidFill>
@@ -8537,10 +8569,10 @@
       </p:sp>
       <p:sp>
         <p:nvSpPr>
-          <p:cNvPr id="42" name="四角形: 角を丸くする 41">
-            <a:extLst>
-              <a:ext uri="{FF2B5EF4-FFF2-40B4-BE49-F238E27FC236}">
-                <a16:creationId xmlns:a16="http://schemas.microsoft.com/office/drawing/2014/main" id="{B077813C-3611-480F-9530-0C35A7FA4771}"/>
+          <p:cNvPr id="44" name="四角形: 角を丸くする 43">
+            <a:extLst>
+              <a:ext uri="{FF2B5EF4-FFF2-40B4-BE49-F238E27FC236}">
+                <a16:creationId xmlns:a16="http://schemas.microsoft.com/office/drawing/2014/main" id="{5A032578-B4B7-4476-B260-47305D35EDE0}"/>
               </a:ext>
             </a:extLst>
           </p:cNvPr>
@@ -8549,138 +8581,8 @@
         </p:nvSpPr>
         <p:spPr>
           <a:xfrm>
-            <a:off x="8732391" y="3688909"/>
-            <a:ext cx="1625520" cy="260190"/>
-          </a:xfrm>
-          <a:prstGeom prst="roundRect">
-            <a:avLst/>
-          </a:prstGeom>
-          <a:solidFill>
-            <a:schemeClr val="bg1">
-              <a:lumMod val="95000"/>
-            </a:schemeClr>
-          </a:solidFill>
-          <a:ln>
-            <a:noFill/>
-          </a:ln>
-        </p:spPr>
-        <p:style>
-          <a:lnRef idx="2">
-            <a:schemeClr val="accent1">
-              <a:shade val="50000"/>
-            </a:schemeClr>
-          </a:lnRef>
-          <a:fillRef idx="1">
-            <a:schemeClr val="accent1"/>
-          </a:fillRef>
-          <a:effectRef idx="0">
-            <a:schemeClr val="accent1"/>
-          </a:effectRef>
-          <a:fontRef idx="minor">
-            <a:schemeClr val="lt1"/>
-          </a:fontRef>
-        </p:style>
-        <p:txBody>
-          <a:bodyPr rtlCol="0" anchor="ctr"/>
-          <a:lstStyle/>
-          <a:p>
-            <a:r>
-              <a:rPr lang="en-US" altLang="ja-JP" dirty="0" err="1">
-                <a:solidFill>
-                  <a:schemeClr val="tx1"/>
-                </a:solidFill>
-              </a:rPr>
-              <a:t>easytimer</a:t>
-            </a:r>
-            <a:endParaRPr kumimoji="1" lang="ja-JP" altLang="en-US" dirty="0">
-              <a:solidFill>
-                <a:schemeClr val="tx1"/>
-              </a:solidFill>
-            </a:endParaRPr>
-          </a:p>
-        </p:txBody>
-      </p:sp>
-      <p:sp>
-        <p:nvSpPr>
-          <p:cNvPr id="43" name="四角形: 角を丸くする 42">
-            <a:extLst>
-              <a:ext uri="{FF2B5EF4-FFF2-40B4-BE49-F238E27FC236}">
-                <a16:creationId xmlns:a16="http://schemas.microsoft.com/office/drawing/2014/main" id="{CBC9D707-58F2-41AA-ABF2-D8C5E6521817}"/>
-              </a:ext>
-            </a:extLst>
-          </p:cNvPr>
-          <p:cNvSpPr/>
-          <p:nvPr/>
-        </p:nvSpPr>
-        <p:spPr>
-          <a:xfrm>
-            <a:off x="8725214" y="3397491"/>
-            <a:ext cx="1625520" cy="255233"/>
-          </a:xfrm>
-          <a:prstGeom prst="roundRect">
-            <a:avLst/>
-          </a:prstGeom>
-          <a:solidFill>
-            <a:schemeClr val="bg1">
-              <a:lumMod val="95000"/>
-            </a:schemeClr>
-          </a:solidFill>
-          <a:ln>
-            <a:noFill/>
-          </a:ln>
-        </p:spPr>
-        <p:style>
-          <a:lnRef idx="2">
-            <a:schemeClr val="accent1">
-              <a:shade val="50000"/>
-            </a:schemeClr>
-          </a:lnRef>
-          <a:fillRef idx="1">
-            <a:schemeClr val="accent1"/>
-          </a:fillRef>
-          <a:effectRef idx="0">
-            <a:schemeClr val="accent1"/>
-          </a:effectRef>
-          <a:fontRef idx="minor">
-            <a:schemeClr val="lt1"/>
-          </a:fontRef>
-        </p:style>
-        <p:txBody>
-          <a:bodyPr rtlCol="0" anchor="ctr"/>
-          <a:lstStyle/>
-          <a:p>
-            <a:r>
-              <a:rPr lang="en-US" altLang="ja-JP" dirty="0">
-                <a:solidFill>
-                  <a:schemeClr val="tx1"/>
-                </a:solidFill>
-              </a:rPr>
-              <a:t>.bootstrap</a:t>
-            </a:r>
-            <a:endParaRPr kumimoji="1" lang="ja-JP" altLang="en-US" dirty="0">
-              <a:solidFill>
-                <a:schemeClr val="tx1"/>
-              </a:solidFill>
-            </a:endParaRPr>
-          </a:p>
-        </p:txBody>
-      </p:sp>
-      <p:sp>
-        <p:nvSpPr>
-          <p:cNvPr id="44" name="四角形: 角を丸くする 43">
-            <a:extLst>
-              <a:ext uri="{FF2B5EF4-FFF2-40B4-BE49-F238E27FC236}">
-                <a16:creationId xmlns:a16="http://schemas.microsoft.com/office/drawing/2014/main" id="{5A032578-B4B7-4476-B260-47305D35EDE0}"/>
-              </a:ext>
-            </a:extLst>
-          </p:cNvPr>
-          <p:cNvSpPr/>
-          <p:nvPr/>
-        </p:nvSpPr>
-        <p:spPr>
-          <a:xfrm>
-            <a:off x="8725214" y="3123600"/>
-            <a:ext cx="1625520" cy="237706"/>
+            <a:off x="8725214" y="3093121"/>
+            <a:ext cx="1625520" cy="402430"/>
           </a:xfrm>
           <a:prstGeom prst="roundRect">
             <a:avLst/>
@@ -9348,6 +9250,267 @@
                 </a:solidFill>
               </a:rPr>
               <a:t>Vue3</a:t>
+            </a:r>
+            <a:endParaRPr kumimoji="1" lang="ja-JP" altLang="en-US" dirty="0">
+              <a:solidFill>
+                <a:schemeClr val="tx1"/>
+              </a:solidFill>
+            </a:endParaRPr>
+          </a:p>
+        </p:txBody>
+      </p:sp>
+      <p:sp>
+        <p:nvSpPr>
+          <p:cNvPr id="47" name="四角形: 角を丸くする 46">
+            <a:extLst>
+              <a:ext uri="{FF2B5EF4-FFF2-40B4-BE49-F238E27FC236}">
+                <a16:creationId xmlns:a16="http://schemas.microsoft.com/office/drawing/2014/main" id="{05A365A0-BEAC-4A74-B56C-5A669A3C1D50}"/>
+              </a:ext>
+            </a:extLst>
+          </p:cNvPr>
+          <p:cNvSpPr/>
+          <p:nvPr/>
+        </p:nvSpPr>
+        <p:spPr>
+          <a:xfrm>
+            <a:off x="4230780" y="1720850"/>
+            <a:ext cx="1578223" cy="1158240"/>
+          </a:xfrm>
+          <a:prstGeom prst="roundRect">
+            <a:avLst/>
+          </a:prstGeom>
+          <a:solidFill>
+            <a:schemeClr val="bg1">
+              <a:lumMod val="75000"/>
+            </a:schemeClr>
+          </a:solidFill>
+          <a:ln>
+            <a:noFill/>
+          </a:ln>
+        </p:spPr>
+        <p:style>
+          <a:lnRef idx="3">
+            <a:schemeClr val="lt1"/>
+          </a:lnRef>
+          <a:fillRef idx="1">
+            <a:schemeClr val="accent3"/>
+          </a:fillRef>
+          <a:effectRef idx="1">
+            <a:schemeClr val="accent3"/>
+          </a:effectRef>
+          <a:fontRef idx="minor">
+            <a:schemeClr val="lt1"/>
+          </a:fontRef>
+        </p:style>
+        <p:txBody>
+          <a:bodyPr rtlCol="0" anchor="t" anchorCtr="0"/>
+          <a:lstStyle/>
+          <a:p>
+            <a:r>
+              <a:rPr lang="en-US" altLang="ja-JP" dirty="0">
+                <a:solidFill>
+                  <a:schemeClr val="tx1"/>
+                </a:solidFill>
+              </a:rPr>
+              <a:t>Functions</a:t>
+            </a:r>
+            <a:endParaRPr kumimoji="1" lang="ja-JP" altLang="en-US" dirty="0">
+              <a:solidFill>
+                <a:schemeClr val="tx1"/>
+              </a:solidFill>
+            </a:endParaRPr>
+          </a:p>
+        </p:txBody>
+      </p:sp>
+      <p:sp>
+        <p:nvSpPr>
+          <p:cNvPr id="34" name="四角形: 角を丸くする 33">
+            <a:extLst>
+              <a:ext uri="{FF2B5EF4-FFF2-40B4-BE49-F238E27FC236}">
+                <a16:creationId xmlns:a16="http://schemas.microsoft.com/office/drawing/2014/main" id="{90555874-F27B-4644-A150-8C5F635B5815}"/>
+              </a:ext>
+            </a:extLst>
+          </p:cNvPr>
+          <p:cNvSpPr/>
+          <p:nvPr/>
+        </p:nvSpPr>
+        <p:spPr>
+          <a:xfrm>
+            <a:off x="4520456" y="2149928"/>
+            <a:ext cx="1120809" cy="565332"/>
+          </a:xfrm>
+          <a:prstGeom prst="roundRect">
+            <a:avLst/>
+          </a:prstGeom>
+          <a:solidFill>
+            <a:schemeClr val="bg1">
+              <a:lumMod val="95000"/>
+            </a:schemeClr>
+          </a:solidFill>
+          <a:ln>
+            <a:noFill/>
+          </a:ln>
+        </p:spPr>
+        <p:style>
+          <a:lnRef idx="2">
+            <a:schemeClr val="accent1">
+              <a:shade val="50000"/>
+            </a:schemeClr>
+          </a:lnRef>
+          <a:fillRef idx="1">
+            <a:schemeClr val="accent1"/>
+          </a:fillRef>
+          <a:effectRef idx="0">
+            <a:schemeClr val="accent1"/>
+          </a:effectRef>
+          <a:fontRef idx="minor">
+            <a:schemeClr val="lt1"/>
+          </a:fontRef>
+        </p:style>
+        <p:txBody>
+          <a:bodyPr rtlCol="0" anchor="ctr"/>
+          <a:lstStyle/>
+          <a:p>
+            <a:pPr algn="ctr"/>
+            <a:r>
+              <a:rPr lang="en-US" altLang="ja-JP" dirty="0" err="1">
+                <a:solidFill>
+                  <a:schemeClr val="tx1"/>
+                </a:solidFill>
+              </a:rPr>
+              <a:t>Efw</a:t>
+            </a:r>
+            <a:endParaRPr kumimoji="1" lang="ja-JP" altLang="en-US" dirty="0">
+              <a:solidFill>
+                <a:schemeClr val="tx1"/>
+              </a:solidFill>
+            </a:endParaRPr>
+          </a:p>
+        </p:txBody>
+      </p:sp>
+      <p:sp>
+        <p:nvSpPr>
+          <p:cNvPr id="48" name="四角形: 角を丸くする 47">
+            <a:extLst>
+              <a:ext uri="{FF2B5EF4-FFF2-40B4-BE49-F238E27FC236}">
+                <a16:creationId xmlns:a16="http://schemas.microsoft.com/office/drawing/2014/main" id="{2D34AFFE-0BC4-4D70-AD19-87C55A59A83E}"/>
+              </a:ext>
+            </a:extLst>
+          </p:cNvPr>
+          <p:cNvSpPr/>
+          <p:nvPr/>
+        </p:nvSpPr>
+        <p:spPr>
+          <a:xfrm>
+            <a:off x="8172171" y="1885981"/>
+            <a:ext cx="1031825" cy="843280"/>
+          </a:xfrm>
+          <a:prstGeom prst="roundRect">
+            <a:avLst/>
+          </a:prstGeom>
+          <a:solidFill>
+            <a:schemeClr val="bg1">
+              <a:lumMod val="95000"/>
+            </a:schemeClr>
+          </a:solidFill>
+          <a:ln>
+            <a:noFill/>
+          </a:ln>
+        </p:spPr>
+        <p:style>
+          <a:lnRef idx="2">
+            <a:schemeClr val="accent1">
+              <a:shade val="50000"/>
+            </a:schemeClr>
+          </a:lnRef>
+          <a:fillRef idx="1">
+            <a:schemeClr val="accent1"/>
+          </a:fillRef>
+          <a:effectRef idx="0">
+            <a:schemeClr val="accent1"/>
+          </a:effectRef>
+          <a:fontRef idx="minor">
+            <a:schemeClr val="lt1"/>
+          </a:fontRef>
+        </p:style>
+        <p:txBody>
+          <a:bodyPr rtlCol="0" anchor="ctr"/>
+          <a:lstStyle/>
+          <a:p>
+            <a:pPr algn="ctr"/>
+            <a:r>
+              <a:rPr lang="en-US" altLang="ja-JP" dirty="0">
+                <a:solidFill>
+                  <a:schemeClr val="tx1"/>
+                </a:solidFill>
+              </a:rPr>
+              <a:t>wait</a:t>
+            </a:r>
+            <a:endParaRPr kumimoji="1" lang="ja-JP" altLang="en-US" dirty="0">
+              <a:solidFill>
+                <a:schemeClr val="tx1"/>
+              </a:solidFill>
+            </a:endParaRPr>
+          </a:p>
+        </p:txBody>
+      </p:sp>
+      <p:sp>
+        <p:nvSpPr>
+          <p:cNvPr id="49" name="四角形: 角を丸くする 48">
+            <a:extLst>
+              <a:ext uri="{FF2B5EF4-FFF2-40B4-BE49-F238E27FC236}">
+                <a16:creationId xmlns:a16="http://schemas.microsoft.com/office/drawing/2014/main" id="{49E281C4-06AC-4B8B-9050-E239C5B5F14E}"/>
+              </a:ext>
+            </a:extLst>
+          </p:cNvPr>
+          <p:cNvSpPr/>
+          <p:nvPr/>
+        </p:nvSpPr>
+        <p:spPr>
+          <a:xfrm>
+            <a:off x="9338591" y="1878330"/>
+            <a:ext cx="1105390" cy="843280"/>
+          </a:xfrm>
+          <a:prstGeom prst="roundRect">
+            <a:avLst/>
+          </a:prstGeom>
+          <a:solidFill>
+            <a:schemeClr val="bg1">
+              <a:lumMod val="95000"/>
+            </a:schemeClr>
+          </a:solidFill>
+          <a:ln>
+            <a:noFill/>
+          </a:ln>
+        </p:spPr>
+        <p:style>
+          <a:lnRef idx="2">
+            <a:schemeClr val="accent1">
+              <a:shade val="50000"/>
+            </a:schemeClr>
+          </a:lnRef>
+          <a:fillRef idx="1">
+            <a:schemeClr val="accent1"/>
+          </a:fillRef>
+          <a:effectRef idx="0">
+            <a:schemeClr val="accent1"/>
+          </a:effectRef>
+          <a:fontRef idx="minor">
+            <a:schemeClr val="lt1"/>
+          </a:fontRef>
+        </p:style>
+        <p:txBody>
+          <a:bodyPr rtlCol="0" anchor="ctr"/>
+          <a:lstStyle/>
+          <a:p>
+            <a:pPr algn="ctr"/>
+            <a:r>
+              <a:rPr lang="en-US" altLang="ja-JP" dirty="0">
+                <a:solidFill>
+                  <a:schemeClr val="tx1"/>
+                </a:solidFill>
+              </a:rPr>
+              <a:t>preview</a:t>
             </a:r>
             <a:endParaRPr kumimoji="1" lang="ja-JP" altLang="en-US" dirty="0">
               <a:solidFill>
